--- a/about_me.pptx
+++ b/about_me.pptx
@@ -197,7 +197,7 @@
           <a:p>
             <a:fld id="{15FE3CD1-B16D-4440-B736-5A5B00AE2421}" type="datetimeFigureOut">
               <a:rPr lang="en-US" smtClean="0"/>
-              <a:t>7/19/22</a:t>
+              <a:t>6/12/23</a:t>
             </a:fld>
             <a:endParaRPr lang="en-US"/>
           </a:p>
@@ -465,6 +465,90 @@
 </p:notesMaster>
 </file>
 
+<file path=ppt/notesSlides/notesSlide1.xml><?xml version="1.0" encoding="utf-8"?>
+<p:notes xmlns:a="http://schemas.openxmlformats.org/drawingml/2006/main" xmlns:r="http://schemas.openxmlformats.org/officeDocument/2006/relationships" xmlns:p="http://schemas.openxmlformats.org/presentationml/2006/main">
+  <p:cSld>
+    <p:spTree>
+      <p:nvGrpSpPr>
+        <p:cNvPr id="1" name=""/>
+        <p:cNvGrpSpPr/>
+        <p:nvPr/>
+      </p:nvGrpSpPr>
+      <p:grpSpPr>
+        <a:xfrm>
+          <a:off x="0" y="0"/>
+          <a:ext cx="0" cy="0"/>
+          <a:chOff x="0" y="0"/>
+          <a:chExt cx="0" cy="0"/>
+        </a:xfrm>
+      </p:grpSpPr>
+      <p:sp>
+        <p:nvSpPr>
+          <p:cNvPr id="2" name="Slide Image Placeholder 1"/>
+          <p:cNvSpPr>
+            <a:spLocks noGrp="1" noRot="1" noChangeAspect="1"/>
+          </p:cNvSpPr>
+          <p:nvPr>
+            <p:ph type="sldImg"/>
+          </p:nvPr>
+        </p:nvSpPr>
+        <p:spPr/>
+      </p:sp>
+      <p:sp>
+        <p:nvSpPr>
+          <p:cNvPr id="3" name="Notes Placeholder 2"/>
+          <p:cNvSpPr>
+            <a:spLocks noGrp="1"/>
+          </p:cNvSpPr>
+          <p:nvPr>
+            <p:ph type="body" idx="1"/>
+          </p:nvPr>
+        </p:nvSpPr>
+        <p:spPr/>
+        <p:txBody>
+          <a:bodyPr/>
+          <a:lstStyle/>
+          <a:p>
+            <a:endParaRPr lang="en-US" dirty="0"/>
+          </a:p>
+        </p:txBody>
+      </p:sp>
+      <p:sp>
+        <p:nvSpPr>
+          <p:cNvPr id="4" name="Slide Number Placeholder 3"/>
+          <p:cNvSpPr>
+            <a:spLocks noGrp="1"/>
+          </p:cNvSpPr>
+          <p:nvPr>
+            <p:ph type="sldNum" sz="quarter" idx="5"/>
+          </p:nvPr>
+        </p:nvSpPr>
+        <p:spPr/>
+        <p:txBody>
+          <a:bodyPr/>
+          <a:lstStyle/>
+          <a:p>
+            <a:fld id="{F5D9D5D0-0D80-8A44-A602-82730B4568D5}" type="slidenum">
+              <a:rPr lang="en-US" smtClean="0"/>
+              <a:t>1</a:t>
+            </a:fld>
+            <a:endParaRPr lang="en-US"/>
+          </a:p>
+        </p:txBody>
+      </p:sp>
+    </p:spTree>
+    <p:extLst>
+      <p:ext uri="{BB962C8B-B14F-4D97-AF65-F5344CB8AC3E}">
+        <p14:creationId xmlns:p14="http://schemas.microsoft.com/office/powerpoint/2010/main" val="1780786090"/>
+      </p:ext>
+    </p:extLst>
+  </p:cSld>
+  <p:clrMapOvr>
+    <a:masterClrMapping/>
+  </p:clrMapOvr>
+</p:notes>
+</file>
+
 <file path=ppt/slideLayouts/slideLayout1.xml><?xml version="1.0" encoding="utf-8"?>
 <p:sldLayout xmlns:a="http://schemas.openxmlformats.org/drawingml/2006/main" xmlns:r="http://schemas.openxmlformats.org/officeDocument/2006/relationships" xmlns:p="http://schemas.openxmlformats.org/presentationml/2006/main" type="title" preserve="1">
   <p:cSld name="Title Slide">
@@ -627,7 +711,7 @@
           <a:p>
             <a:fld id="{524C6359-9BB8-4148-8114-537E698DA205}" type="datetime1">
               <a:rPr lang="en-US" smtClean="0"/>
-              <a:t>7/19/22</a:t>
+              <a:t>6/12/23</a:t>
             </a:fld>
             <a:endParaRPr lang="en-US" dirty="0"/>
           </a:p>
@@ -1687,7 +1771,7 @@
           <a:p>
             <a:fld id="{A4649BD0-10DB-43E7-8F22-40B3D51B8FC3}" type="datetime1">
               <a:rPr lang="en-US" smtClean="0"/>
-              <a:t>7/19/22</a:t>
+              <a:t>6/12/23</a:t>
             </a:fld>
             <a:endParaRPr lang="en-US"/>
           </a:p>
@@ -2748,7 +2832,7 @@
           <a:p>
             <a:fld id="{0A16C79C-F566-427A-93F6-434A4E613134}" type="datetime1">
               <a:rPr lang="en-US" smtClean="0"/>
-              <a:t>7/19/22</a:t>
+              <a:t>6/12/23</a:t>
             </a:fld>
             <a:endParaRPr lang="en-US"/>
           </a:p>
@@ -3804,7 +3888,7 @@
           <a:p>
             <a:fld id="{9376191F-481E-48E9-BB9A-369A67A7362D}" type="datetime1">
               <a:rPr lang="en-US" smtClean="0"/>
-              <a:t>7/19/22</a:t>
+              <a:t>6/12/23</a:t>
             </a:fld>
             <a:endParaRPr lang="en-US" dirty="0"/>
           </a:p>
@@ -4933,7 +5017,7 @@
           <a:p>
             <a:fld id="{6C5677DE-DD04-48CC-9C18-7BE9FF2DEB6B}" type="datetime1">
               <a:rPr lang="en-US" smtClean="0"/>
-              <a:t>7/19/22</a:t>
+              <a:t>6/12/23</a:t>
             </a:fld>
             <a:endParaRPr lang="en-US"/>
           </a:p>
@@ -6052,7 +6136,7 @@
           <a:p>
             <a:fld id="{463255ED-7101-4D18-A8AE-3B5E4CB87EA5}" type="datetime1">
               <a:rPr lang="en-US" smtClean="0"/>
-              <a:t>7/19/22</a:t>
+              <a:t>6/12/23</a:t>
             </a:fld>
             <a:endParaRPr lang="en-US"/>
           </a:p>
@@ -7358,7 +7442,7 @@
           <a:p>
             <a:fld id="{CD52F23D-51F6-4C94-8CD5-B9ABBF67EE23}" type="datetime1">
               <a:rPr lang="en-US" smtClean="0"/>
-              <a:t>7/19/22</a:t>
+              <a:t>6/12/23</a:t>
             </a:fld>
             <a:endParaRPr lang="en-US"/>
           </a:p>
@@ -7505,7 +7589,7 @@
           <a:p>
             <a:fld id="{D51A702F-6367-4FD1-89A8-3744BE6BA9A2}" type="datetime1">
               <a:rPr lang="en-US" smtClean="0"/>
-              <a:t>7/19/22</a:t>
+              <a:t>6/12/23</a:t>
             </a:fld>
             <a:endParaRPr lang="en-US"/>
           </a:p>
@@ -8469,7 +8553,7 @@
           <a:p>
             <a:fld id="{4A6E99BD-4B4F-4460-B452-0E8146ACCF8F}" type="datetime1">
               <a:rPr lang="en-US" smtClean="0"/>
-              <a:t>7/19/22</a:t>
+              <a:t>6/12/23</a:t>
             </a:fld>
             <a:endParaRPr lang="en-US"/>
           </a:p>
@@ -8788,7 +8872,7 @@
           <a:p>
             <a:fld id="{EB6FD34C-1867-42A9-AC54-D15ADD8A65E7}" type="datetime1">
               <a:rPr lang="en-US" smtClean="0"/>
-              <a:t>7/19/22</a:t>
+              <a:t>6/12/23</a:t>
             </a:fld>
             <a:endParaRPr lang="en-US"/>
           </a:p>
@@ -9936,7 +10020,7 @@
           <a:p>
             <a:fld id="{336133E9-A654-4C17-8C3C-DDCAC83D6EBF}" type="datetime1">
               <a:rPr lang="en-US" smtClean="0"/>
-              <a:t>7/19/22</a:t>
+              <a:t>6/12/23</a:t>
             </a:fld>
             <a:endParaRPr lang="en-US"/>
           </a:p>
@@ -12346,7 +12430,7 @@
           <a:p>
             <a:fld id="{8769D389-4C4C-4FD7-9E6B-9F44477F0EB8}" type="datetime1">
               <a:rPr lang="en-US" smtClean="0"/>
-              <a:t>7/19/22</a:t>
+              <a:t>6/12/23</a:t>
             </a:fld>
             <a:endParaRPr lang="en-US" dirty="0"/>
           </a:p>
@@ -16271,36 +16355,6 @@
           </p:sp>
         </p:grpSp>
       </p:grpSp>
-      <p:pic>
-        <p:nvPicPr>
-          <p:cNvPr id="4" name="Picture 3">
-            <a:extLst>
-              <a:ext uri="{FF2B5EF4-FFF2-40B4-BE49-F238E27FC236}">
-                <a16:creationId xmlns:a16="http://schemas.microsoft.com/office/drawing/2014/main" id="{6B57438C-9F0B-924D-C3CB-DE32D6680F3C}"/>
-              </a:ext>
-            </a:extLst>
-          </p:cNvPr>
-          <p:cNvPicPr>
-            <a:picLocks noChangeAspect="1"/>
-          </p:cNvPicPr>
-          <p:nvPr/>
-        </p:nvPicPr>
-        <p:blipFill>
-          <a:blip r:embed="rId2"/>
-          <a:stretch>
-            <a:fillRect/>
-          </a:stretch>
-        </p:blipFill>
-        <p:spPr>
-          <a:xfrm>
-            <a:off x="546842" y="264189"/>
-            <a:ext cx="1373989" cy="1831985"/>
-          </a:xfrm>
-          <a:prstGeom prst="rect">
-            <a:avLst/>
-          </a:prstGeom>
-        </p:spPr>
-      </p:pic>
       <p:sp>
         <p:nvSpPr>
           <p:cNvPr id="42" name="Freeform: Shape 41">
@@ -17561,446 +17615,425 @@
           </p:txBody>
         </p:sp>
       </p:grpSp>
-      <p:grpSp>
-        <p:nvGrpSpPr>
-          <p:cNvPr id="6" name="Group 5">
+      <p:sp>
+        <p:nvSpPr>
+          <p:cNvPr id="5" name="TextBox 4">
             <a:extLst>
               <a:ext uri="{FF2B5EF4-FFF2-40B4-BE49-F238E27FC236}">
-                <a16:creationId xmlns:a16="http://schemas.microsoft.com/office/drawing/2014/main" id="{6D4E3661-943F-3B45-8204-17A4B2574960}"/>
+                <a16:creationId xmlns:a16="http://schemas.microsoft.com/office/drawing/2014/main" id="{F1650A8F-DD9D-E743-E2F3-6B8DEA268032}"/>
               </a:ext>
             </a:extLst>
           </p:cNvPr>
-          <p:cNvGrpSpPr/>
+          <p:cNvSpPr txBox="1"/>
           <p:nvPr/>
-        </p:nvGrpSpPr>
-        <p:grpSpPr>
+        </p:nvSpPr>
+        <p:spPr>
           <a:xfrm>
-            <a:off x="436451" y="3537695"/>
-            <a:ext cx="4299373" cy="3043332"/>
-            <a:chOff x="436451" y="3690092"/>
-            <a:chExt cx="4299373" cy="3043332"/>
+            <a:off x="1397128" y="3537695"/>
+            <a:ext cx="2255746" cy="523220"/>
           </a:xfrm>
-        </p:grpSpPr>
-        <p:sp>
-          <p:nvSpPr>
-            <p:cNvPr id="5" name="TextBox 4">
-              <a:extLst>
-                <a:ext uri="{FF2B5EF4-FFF2-40B4-BE49-F238E27FC236}">
-                  <a16:creationId xmlns:a16="http://schemas.microsoft.com/office/drawing/2014/main" id="{F1650A8F-DD9D-E743-E2F3-6B8DEA268032}"/>
-                </a:ext>
-              </a:extLst>
-            </p:cNvPr>
-            <p:cNvSpPr txBox="1"/>
-            <p:nvPr/>
-          </p:nvSpPr>
-          <p:spPr>
-            <a:xfrm>
-              <a:off x="1397128" y="3690092"/>
-              <a:ext cx="2255746" cy="523220"/>
-            </a:xfrm>
-            <a:prstGeom prst="rect">
-              <a:avLst/>
-            </a:prstGeom>
-            <a:solidFill>
-              <a:schemeClr val="accent1"/>
-            </a:solidFill>
-          </p:spPr>
-          <p:txBody>
-            <a:bodyPr wrap="none" rtlCol="0">
-              <a:spAutoFit/>
-            </a:bodyPr>
-            <a:lstStyle/>
-            <a:p>
-              <a:r>
-                <a:rPr lang="en-US" sz="2800" b="1" dirty="0">
-                  <a:solidFill>
-                    <a:schemeClr val="bg1">
-                      <a:lumMod val="95000"/>
-                    </a:schemeClr>
-                  </a:solidFill>
-                </a:rPr>
-                <a:t>Blockchains</a:t>
-              </a:r>
-            </a:p>
-          </p:txBody>
-        </p:sp>
-        <p:pic>
-          <p:nvPicPr>
-            <p:cNvPr id="1026" name="Picture 2">
-              <a:extLst>
-                <a:ext uri="{FF2B5EF4-FFF2-40B4-BE49-F238E27FC236}">
-                  <a16:creationId xmlns:a16="http://schemas.microsoft.com/office/drawing/2014/main" id="{A9B92F27-6ED8-8336-7EFD-634AD59E3926}"/>
-                </a:ext>
-              </a:extLst>
-            </p:cNvPr>
-            <p:cNvPicPr>
-              <a:picLocks noChangeAspect="1" noChangeArrowheads="1"/>
-            </p:cNvPicPr>
-            <p:nvPr/>
-          </p:nvPicPr>
-          <p:blipFill>
-            <a:blip r:embed="rId3">
-              <a:extLst>
-                <a:ext uri="{28A0092B-C50C-407E-A947-70E740481C1C}">
-                  <a14:useLocalDpi xmlns:a14="http://schemas.microsoft.com/office/drawing/2010/main" val="0"/>
-                </a:ext>
-              </a:extLst>
-            </a:blip>
-            <a:srcRect/>
-            <a:stretch>
-              <a:fillRect/>
-            </a:stretch>
-          </p:blipFill>
-          <p:spPr bwMode="auto">
-            <a:xfrm>
-              <a:off x="436451" y="4441776"/>
-              <a:ext cx="1122363" cy="1122363"/>
-            </a:xfrm>
-            <a:prstGeom prst="rect">
-              <a:avLst/>
-            </a:prstGeom>
-            <a:noFill/>
+          <a:prstGeom prst="rect">
+            <a:avLst/>
+          </a:prstGeom>
+          <a:solidFill>
+            <a:schemeClr val="accent1"/>
+          </a:solidFill>
+        </p:spPr>
+        <p:txBody>
+          <a:bodyPr wrap="none" rtlCol="0">
+            <a:spAutoFit/>
+          </a:bodyPr>
+          <a:lstStyle/>
+          <a:p>
+            <a:r>
+              <a:rPr lang="en-US" sz="2800" b="1" dirty="0">
+                <a:solidFill>
+                  <a:schemeClr val="bg1">
+                    <a:lumMod val="95000"/>
+                  </a:schemeClr>
+                </a:solidFill>
+              </a:rPr>
+              <a:t>Blockchains</a:t>
+            </a:r>
+          </a:p>
+        </p:txBody>
+      </p:sp>
+      <p:pic>
+        <p:nvPicPr>
+          <p:cNvPr id="1026" name="Picture 2">
             <a:extLst>
-              <a:ext uri="{909E8E84-426E-40DD-AFC4-6F175D3DCCD1}">
-                <a14:hiddenFill xmlns:a14="http://schemas.microsoft.com/office/drawing/2010/main">
-                  <a:solidFill>
-                    <a:srgbClr val="FFFFFF"/>
-                  </a:solidFill>
-                </a14:hiddenFill>
+              <a:ext uri="{FF2B5EF4-FFF2-40B4-BE49-F238E27FC236}">
+                <a16:creationId xmlns:a16="http://schemas.microsoft.com/office/drawing/2014/main" id="{A9B92F27-6ED8-8336-7EFD-634AD59E3926}"/>
               </a:ext>
             </a:extLst>
-          </p:spPr>
-        </p:pic>
-        <p:pic>
-          <p:nvPicPr>
-            <p:cNvPr id="1028" name="Picture 4" descr="Ethereum PNG Transparent Images | PNG All">
-              <a:extLst>
-                <a:ext uri="{FF2B5EF4-FFF2-40B4-BE49-F238E27FC236}">
-                  <a16:creationId xmlns:a16="http://schemas.microsoft.com/office/drawing/2014/main" id="{FF1256DB-2633-C045-DCC9-9AF0C38356E1}"/>
-                </a:ext>
-              </a:extLst>
-            </p:cNvPr>
-            <p:cNvPicPr>
-              <a:picLocks noChangeAspect="1" noChangeArrowheads="1"/>
-            </p:cNvPicPr>
-            <p:nvPr/>
-          </p:nvPicPr>
-          <p:blipFill>
-            <a:blip r:embed="rId4">
-              <a:extLst>
-                <a:ext uri="{28A0092B-C50C-407E-A947-70E740481C1C}">
-                  <a14:useLocalDpi xmlns:a14="http://schemas.microsoft.com/office/drawing/2010/main" val="0"/>
-                </a:ext>
-              </a:extLst>
-            </a:blip>
-            <a:srcRect/>
-            <a:stretch>
-              <a:fillRect/>
-            </a:stretch>
-          </p:blipFill>
-          <p:spPr bwMode="auto">
-            <a:xfrm>
-              <a:off x="679351" y="5696101"/>
-              <a:ext cx="636561" cy="1037323"/>
-            </a:xfrm>
-            <a:prstGeom prst="rect">
-              <a:avLst/>
-            </a:prstGeom>
-            <a:noFill/>
+          </p:cNvPr>
+          <p:cNvPicPr>
+            <a:picLocks noChangeAspect="1" noChangeArrowheads="1"/>
+          </p:cNvPicPr>
+          <p:nvPr/>
+        </p:nvPicPr>
+        <p:blipFill>
+          <a:blip r:embed="rId3">
             <a:extLst>
-              <a:ext uri="{909E8E84-426E-40DD-AFC4-6F175D3DCCD1}">
-                <a14:hiddenFill xmlns:a14="http://schemas.microsoft.com/office/drawing/2010/main">
-                  <a:solidFill>
-                    <a:srgbClr val="FFFFFF"/>
-                  </a:solidFill>
-                </a14:hiddenFill>
+              <a:ext uri="{28A0092B-C50C-407E-A947-70E740481C1C}">
+                <a14:useLocalDpi xmlns:a14="http://schemas.microsoft.com/office/drawing/2010/main" val="0"/>
               </a:ext>
             </a:extLst>
-          </p:spPr>
-        </p:pic>
-        <p:pic>
-          <p:nvPicPr>
-            <p:cNvPr id="1030" name="Picture 6">
-              <a:extLst>
-                <a:ext uri="{FF2B5EF4-FFF2-40B4-BE49-F238E27FC236}">
-                  <a16:creationId xmlns:a16="http://schemas.microsoft.com/office/drawing/2014/main" id="{D60FEDCF-31D1-BDF7-A112-9AA04AF01E1D}"/>
-                </a:ext>
-              </a:extLst>
-            </p:cNvPr>
-            <p:cNvPicPr>
-              <a:picLocks noChangeAspect="1" noChangeArrowheads="1"/>
-            </p:cNvPicPr>
-            <p:nvPr/>
-          </p:nvPicPr>
-          <p:blipFill>
-            <a:blip r:embed="rId5">
-              <a:extLst>
-                <a:ext uri="{28A0092B-C50C-407E-A947-70E740481C1C}">
-                  <a14:useLocalDpi xmlns:a14="http://schemas.microsoft.com/office/drawing/2010/main" val="0"/>
-                </a:ext>
-              </a:extLst>
-            </a:blip>
-            <a:srcRect/>
-            <a:stretch>
-              <a:fillRect/>
-            </a:stretch>
-          </p:blipFill>
-          <p:spPr bwMode="auto">
-            <a:xfrm>
-              <a:off x="1681933" y="4617397"/>
-              <a:ext cx="787400" cy="787400"/>
-            </a:xfrm>
-            <a:prstGeom prst="rect">
-              <a:avLst/>
-            </a:prstGeom>
-            <a:noFill/>
+          </a:blip>
+          <a:srcRect/>
+          <a:stretch>
+            <a:fillRect/>
+          </a:stretch>
+        </p:blipFill>
+        <p:spPr bwMode="auto">
+          <a:xfrm>
+            <a:off x="1295407" y="4500731"/>
+            <a:ext cx="889470" cy="889470"/>
+          </a:xfrm>
+          <a:prstGeom prst="rect">
+            <a:avLst/>
+          </a:prstGeom>
+          <a:noFill/>
+          <a:extLst>
+            <a:ext uri="{909E8E84-426E-40DD-AFC4-6F175D3DCCD1}">
+              <a14:hiddenFill xmlns:a14="http://schemas.microsoft.com/office/drawing/2010/main">
+                <a:solidFill>
+                  <a:srgbClr val="FFFFFF"/>
+                </a:solidFill>
+              </a14:hiddenFill>
+            </a:ext>
+          </a:extLst>
+        </p:spPr>
+      </p:pic>
+      <p:pic>
+        <p:nvPicPr>
+          <p:cNvPr id="1028" name="Picture 4" descr="Ethereum PNG Transparent Images | PNG All">
             <a:extLst>
-              <a:ext uri="{909E8E84-426E-40DD-AFC4-6F175D3DCCD1}">
-                <a14:hiddenFill xmlns:a14="http://schemas.microsoft.com/office/drawing/2010/main">
-                  <a:solidFill>
-                    <a:srgbClr val="FFFFFF"/>
-                  </a:solidFill>
-                </a14:hiddenFill>
+              <a:ext uri="{FF2B5EF4-FFF2-40B4-BE49-F238E27FC236}">
+                <a16:creationId xmlns:a16="http://schemas.microsoft.com/office/drawing/2014/main" id="{FF1256DB-2633-C045-DCC9-9AF0C38356E1}"/>
               </a:ext>
             </a:extLst>
-          </p:spPr>
-        </p:pic>
-        <p:pic>
-          <p:nvPicPr>
-            <p:cNvPr id="1032" name="Picture 8" descr="Proton Chain Blog - The latest news and updates about the Proton blockchain">
-              <a:extLst>
-                <a:ext uri="{FF2B5EF4-FFF2-40B4-BE49-F238E27FC236}">
-                  <a16:creationId xmlns:a16="http://schemas.microsoft.com/office/drawing/2014/main" id="{48B877A6-79EF-30CA-9612-E0D1D113AAFC}"/>
-                </a:ext>
-              </a:extLst>
-            </p:cNvPr>
-            <p:cNvPicPr>
-              <a:picLocks noChangeAspect="1" noChangeArrowheads="1"/>
-            </p:cNvPicPr>
-            <p:nvPr/>
-          </p:nvPicPr>
-          <p:blipFill>
-            <a:blip r:embed="rId6">
-              <a:extLst>
-                <a:ext uri="{28A0092B-C50C-407E-A947-70E740481C1C}">
-                  <a14:useLocalDpi xmlns:a14="http://schemas.microsoft.com/office/drawing/2010/main" val="0"/>
-                </a:ext>
-              </a:extLst>
-            </a:blip>
-            <a:srcRect/>
-            <a:stretch>
-              <a:fillRect/>
-            </a:stretch>
-          </p:blipFill>
-          <p:spPr bwMode="auto">
-            <a:xfrm>
-              <a:off x="2754332" y="4595582"/>
-              <a:ext cx="787400" cy="787400"/>
-            </a:xfrm>
-            <a:prstGeom prst="rect">
-              <a:avLst/>
-            </a:prstGeom>
-            <a:noFill/>
+          </p:cNvPr>
+          <p:cNvPicPr>
+            <a:picLocks noChangeAspect="1" noChangeArrowheads="1"/>
+          </p:cNvPicPr>
+          <p:nvPr/>
+        </p:nvPicPr>
+        <p:blipFill>
+          <a:blip r:embed="rId4">
             <a:extLst>
-              <a:ext uri="{909E8E84-426E-40DD-AFC4-6F175D3DCCD1}">
-                <a14:hiddenFill xmlns:a14="http://schemas.microsoft.com/office/drawing/2010/main">
-                  <a:solidFill>
-                    <a:srgbClr val="FFFFFF"/>
-                  </a:solidFill>
-                </a14:hiddenFill>
+              <a:ext uri="{28A0092B-C50C-407E-A947-70E740481C1C}">
+                <a14:useLocalDpi xmlns:a14="http://schemas.microsoft.com/office/drawing/2010/main" val="0"/>
               </a:ext>
             </a:extLst>
-          </p:spPr>
-        </p:pic>
-        <p:pic>
-          <p:nvPicPr>
-            <p:cNvPr id="1034" name="Picture 10" descr="UOS Ultra (Invest-gaming info) (@UOS__ULTRA) / Twitter">
-              <a:extLst>
-                <a:ext uri="{FF2B5EF4-FFF2-40B4-BE49-F238E27FC236}">
-                  <a16:creationId xmlns:a16="http://schemas.microsoft.com/office/drawing/2014/main" id="{A457E8C3-4F77-19CE-4F53-88E5BD9F0B55}"/>
-                </a:ext>
-              </a:extLst>
-            </p:cNvPr>
-            <p:cNvPicPr>
-              <a:picLocks noChangeAspect="1" noChangeArrowheads="1"/>
-            </p:cNvPicPr>
-            <p:nvPr/>
-          </p:nvPicPr>
-          <p:blipFill>
-            <a:blip r:embed="rId7">
-              <a:extLst>
-                <a:ext uri="{28A0092B-C50C-407E-A947-70E740481C1C}">
-                  <a14:useLocalDpi xmlns:a14="http://schemas.microsoft.com/office/drawing/2010/main" val="0"/>
-                </a:ext>
-              </a:extLst>
-            </a:blip>
-            <a:srcRect/>
-            <a:stretch>
-              <a:fillRect/>
-            </a:stretch>
-          </p:blipFill>
-          <p:spPr bwMode="auto">
-            <a:xfrm>
-              <a:off x="3781288" y="4612516"/>
-              <a:ext cx="753533" cy="753533"/>
-            </a:xfrm>
-            <a:prstGeom prst="rect">
-              <a:avLst/>
-            </a:prstGeom>
-            <a:noFill/>
+          </a:blip>
+          <a:srcRect/>
+          <a:stretch>
+            <a:fillRect/>
+          </a:stretch>
+        </p:blipFill>
+        <p:spPr bwMode="auto">
+          <a:xfrm>
+            <a:off x="337052" y="5612775"/>
+            <a:ext cx="636561" cy="1037323"/>
+          </a:xfrm>
+          <a:prstGeom prst="rect">
+            <a:avLst/>
+          </a:prstGeom>
+          <a:noFill/>
+          <a:extLst>
+            <a:ext uri="{909E8E84-426E-40DD-AFC4-6F175D3DCCD1}">
+              <a14:hiddenFill xmlns:a14="http://schemas.microsoft.com/office/drawing/2010/main">
+                <a:solidFill>
+                  <a:srgbClr val="FFFFFF"/>
+                </a:solidFill>
+              </a14:hiddenFill>
+            </a:ext>
+          </a:extLst>
+        </p:spPr>
+      </p:pic>
+      <p:pic>
+        <p:nvPicPr>
+          <p:cNvPr id="1030" name="Picture 6">
             <a:extLst>
-              <a:ext uri="{909E8E84-426E-40DD-AFC4-6F175D3DCCD1}">
-                <a14:hiddenFill xmlns:a14="http://schemas.microsoft.com/office/drawing/2010/main">
-                  <a:solidFill>
-                    <a:srgbClr val="FFFFFF"/>
-                  </a:solidFill>
-                </a14:hiddenFill>
+              <a:ext uri="{FF2B5EF4-FFF2-40B4-BE49-F238E27FC236}">
+                <a16:creationId xmlns:a16="http://schemas.microsoft.com/office/drawing/2014/main" id="{D60FEDCF-31D1-BDF7-A112-9AA04AF01E1D}"/>
               </a:ext>
             </a:extLst>
-          </p:spPr>
-        </p:pic>
-        <p:pic>
-          <p:nvPicPr>
-            <p:cNvPr id="1036" name="Picture 12" descr="Polygon - Crunchbase Investor Profile &amp; Investments">
-              <a:extLst>
-                <a:ext uri="{FF2B5EF4-FFF2-40B4-BE49-F238E27FC236}">
-                  <a16:creationId xmlns:a16="http://schemas.microsoft.com/office/drawing/2014/main" id="{10EA2A5F-2E6B-89DD-EA20-31233051D06E}"/>
-                </a:ext>
-              </a:extLst>
-            </p:cNvPr>
-            <p:cNvPicPr>
-              <a:picLocks noChangeAspect="1" noChangeArrowheads="1"/>
-            </p:cNvPicPr>
-            <p:nvPr/>
-          </p:nvPicPr>
-          <p:blipFill>
-            <a:blip r:embed="rId8">
-              <a:extLst>
-                <a:ext uri="{28A0092B-C50C-407E-A947-70E740481C1C}">
-                  <a14:useLocalDpi xmlns:a14="http://schemas.microsoft.com/office/drawing/2010/main" val="0"/>
-                </a:ext>
-              </a:extLst>
-            </a:blip>
-            <a:srcRect/>
-            <a:stretch>
-              <a:fillRect/>
-            </a:stretch>
-          </p:blipFill>
-          <p:spPr bwMode="auto">
-            <a:xfrm>
-              <a:off x="1592374" y="5808082"/>
-              <a:ext cx="798235" cy="798235"/>
-            </a:xfrm>
-            <a:prstGeom prst="rect">
-              <a:avLst/>
-            </a:prstGeom>
-            <a:noFill/>
+          </p:cNvPr>
+          <p:cNvPicPr>
+            <a:picLocks noChangeAspect="1" noChangeArrowheads="1"/>
+          </p:cNvPicPr>
+          <p:nvPr/>
+        </p:nvPicPr>
+        <p:blipFill>
+          <a:blip r:embed="rId5">
             <a:extLst>
-              <a:ext uri="{909E8E84-426E-40DD-AFC4-6F175D3DCCD1}">
-                <a14:hiddenFill xmlns:a14="http://schemas.microsoft.com/office/drawing/2010/main">
-                  <a:solidFill>
-                    <a:srgbClr val="FFFFFF"/>
-                  </a:solidFill>
-                </a14:hiddenFill>
+              <a:ext uri="{28A0092B-C50C-407E-A947-70E740481C1C}">
+                <a14:useLocalDpi xmlns:a14="http://schemas.microsoft.com/office/drawing/2010/main" val="0"/>
               </a:ext>
             </a:extLst>
-          </p:spPr>
-        </p:pic>
-        <p:pic>
-          <p:nvPicPr>
-            <p:cNvPr id="1038" name="Picture 14" descr="The Best Wallet for BSC (Binance Smart Chain) - AlphaWallet app">
-              <a:extLst>
-                <a:ext uri="{FF2B5EF4-FFF2-40B4-BE49-F238E27FC236}">
-                  <a16:creationId xmlns:a16="http://schemas.microsoft.com/office/drawing/2014/main" id="{8BE8F6D1-C4F6-17B2-2365-D8F1FAB5E3B8}"/>
-                </a:ext>
-              </a:extLst>
-            </p:cNvPr>
-            <p:cNvPicPr>
-              <a:picLocks noChangeAspect="1" noChangeArrowheads="1"/>
-            </p:cNvPicPr>
-            <p:nvPr/>
-          </p:nvPicPr>
-          <p:blipFill>
-            <a:blip r:embed="rId9">
-              <a:extLst>
-                <a:ext uri="{28A0092B-C50C-407E-A947-70E740481C1C}">
-                  <a14:useLocalDpi xmlns:a14="http://schemas.microsoft.com/office/drawing/2010/main" val="0"/>
-                </a:ext>
-              </a:extLst>
-            </a:blip>
-            <a:srcRect/>
-            <a:stretch>
-              <a:fillRect/>
-            </a:stretch>
-          </p:blipFill>
-          <p:spPr bwMode="auto">
-            <a:xfrm>
-              <a:off x="2729651" y="5813082"/>
-              <a:ext cx="798234" cy="798234"/>
-            </a:xfrm>
-            <a:prstGeom prst="rect">
-              <a:avLst/>
-            </a:prstGeom>
-            <a:noFill/>
+          </a:blip>
+          <a:srcRect/>
+          <a:stretch>
+            <a:fillRect/>
+          </a:stretch>
+        </p:blipFill>
+        <p:spPr bwMode="auto">
+          <a:xfrm>
+            <a:off x="2308469" y="4549666"/>
+            <a:ext cx="787400" cy="787400"/>
+          </a:xfrm>
+          <a:prstGeom prst="rect">
+            <a:avLst/>
+          </a:prstGeom>
+          <a:noFill/>
+          <a:extLst>
+            <a:ext uri="{909E8E84-426E-40DD-AFC4-6F175D3DCCD1}">
+              <a14:hiddenFill xmlns:a14="http://schemas.microsoft.com/office/drawing/2010/main">
+                <a:solidFill>
+                  <a:srgbClr val="FFFFFF"/>
+                </a:solidFill>
+              </a14:hiddenFill>
+            </a:ext>
+          </a:extLst>
+        </p:spPr>
+      </p:pic>
+      <p:pic>
+        <p:nvPicPr>
+          <p:cNvPr id="1032" name="Picture 8" descr="Proton Chain Blog - The latest news and updates about the Proton blockchain">
             <a:extLst>
-              <a:ext uri="{909E8E84-426E-40DD-AFC4-6F175D3DCCD1}">
-                <a14:hiddenFill xmlns:a14="http://schemas.microsoft.com/office/drawing/2010/main">
-                  <a:solidFill>
-                    <a:srgbClr val="FFFFFF"/>
-                  </a:solidFill>
-                </a14:hiddenFill>
+              <a:ext uri="{FF2B5EF4-FFF2-40B4-BE49-F238E27FC236}">
+                <a16:creationId xmlns:a16="http://schemas.microsoft.com/office/drawing/2014/main" id="{48B877A6-79EF-30CA-9612-E0D1D113AAFC}"/>
               </a:ext>
             </a:extLst>
-          </p:spPr>
-        </p:pic>
-        <p:pic>
-          <p:nvPicPr>
-            <p:cNvPr id="1040" name="Picture 16">
-              <a:extLst>
-                <a:ext uri="{FF2B5EF4-FFF2-40B4-BE49-F238E27FC236}">
-                  <a16:creationId xmlns:a16="http://schemas.microsoft.com/office/drawing/2014/main" id="{A19AC091-1951-FEDF-3729-9E723A3EE83E}"/>
-                </a:ext>
-              </a:extLst>
-            </p:cNvPr>
-            <p:cNvPicPr>
-              <a:picLocks noChangeAspect="1" noChangeArrowheads="1"/>
-            </p:cNvPicPr>
-            <p:nvPr/>
-          </p:nvPicPr>
-          <p:blipFill>
-            <a:blip r:embed="rId10">
-              <a:extLst>
-                <a:ext uri="{28A0092B-C50C-407E-A947-70E740481C1C}">
-                  <a14:useLocalDpi xmlns:a14="http://schemas.microsoft.com/office/drawing/2010/main" val="0"/>
-                </a:ext>
-              </a:extLst>
-            </a:blip>
-            <a:srcRect/>
-            <a:stretch>
-              <a:fillRect/>
-            </a:stretch>
-          </p:blipFill>
-          <p:spPr bwMode="auto">
-            <a:xfrm>
-              <a:off x="3938145" y="5808083"/>
-              <a:ext cx="797679" cy="798234"/>
-            </a:xfrm>
-            <a:prstGeom prst="rect">
-              <a:avLst/>
-            </a:prstGeom>
-            <a:noFill/>
+          </p:cNvPr>
+          <p:cNvPicPr>
+            <a:picLocks noChangeAspect="1" noChangeArrowheads="1"/>
+          </p:cNvPicPr>
+          <p:nvPr/>
+        </p:nvPicPr>
+        <p:blipFill>
+          <a:blip r:embed="rId6">
             <a:extLst>
-              <a:ext uri="{909E8E84-426E-40DD-AFC4-6F175D3DCCD1}">
-                <a14:hiddenFill xmlns:a14="http://schemas.microsoft.com/office/drawing/2010/main">
-                  <a:solidFill>
-                    <a:srgbClr val="FFFFFF"/>
-                  </a:solidFill>
-                </a14:hiddenFill>
+              <a:ext uri="{28A0092B-C50C-407E-A947-70E740481C1C}">
+                <a14:useLocalDpi xmlns:a14="http://schemas.microsoft.com/office/drawing/2010/main" val="0"/>
               </a:ext>
             </a:extLst>
-          </p:spPr>
-        </p:pic>
-      </p:grpSp>
+          </a:blip>
+          <a:srcRect/>
+          <a:stretch>
+            <a:fillRect/>
+          </a:stretch>
+        </p:blipFill>
+        <p:spPr bwMode="auto">
+          <a:xfrm>
+            <a:off x="3380868" y="4527851"/>
+            <a:ext cx="787400" cy="787400"/>
+          </a:xfrm>
+          <a:prstGeom prst="rect">
+            <a:avLst/>
+          </a:prstGeom>
+          <a:noFill/>
+          <a:extLst>
+            <a:ext uri="{909E8E84-426E-40DD-AFC4-6F175D3DCCD1}">
+              <a14:hiddenFill xmlns:a14="http://schemas.microsoft.com/office/drawing/2010/main">
+                <a:solidFill>
+                  <a:srgbClr val="FFFFFF"/>
+                </a:solidFill>
+              </a14:hiddenFill>
+            </a:ext>
+          </a:extLst>
+        </p:spPr>
+      </p:pic>
+      <p:pic>
+        <p:nvPicPr>
+          <p:cNvPr id="1034" name="Picture 10" descr="UOS Ultra (Invest-gaming info) (@UOS__ULTRA) / Twitter">
+            <a:extLst>
+              <a:ext uri="{FF2B5EF4-FFF2-40B4-BE49-F238E27FC236}">
+                <a16:creationId xmlns:a16="http://schemas.microsoft.com/office/drawing/2014/main" id="{A457E8C3-4F77-19CE-4F53-88E5BD9F0B55}"/>
+              </a:ext>
+            </a:extLst>
+          </p:cNvPr>
+          <p:cNvPicPr>
+            <a:picLocks noChangeAspect="1" noChangeArrowheads="1"/>
+          </p:cNvPicPr>
+          <p:nvPr/>
+        </p:nvPicPr>
+        <p:blipFill>
+          <a:blip r:embed="rId7">
+            <a:extLst>
+              <a:ext uri="{28A0092B-C50C-407E-A947-70E740481C1C}">
+                <a14:useLocalDpi xmlns:a14="http://schemas.microsoft.com/office/drawing/2010/main" val="0"/>
+              </a:ext>
+            </a:extLst>
+          </a:blip>
+          <a:srcRect/>
+          <a:stretch>
+            <a:fillRect/>
+          </a:stretch>
+        </p:blipFill>
+        <p:spPr bwMode="auto">
+          <a:xfrm>
+            <a:off x="4407824" y="4544785"/>
+            <a:ext cx="753533" cy="753533"/>
+          </a:xfrm>
+          <a:prstGeom prst="rect">
+            <a:avLst/>
+          </a:prstGeom>
+          <a:noFill/>
+          <a:extLst>
+            <a:ext uri="{909E8E84-426E-40DD-AFC4-6F175D3DCCD1}">
+              <a14:hiddenFill xmlns:a14="http://schemas.microsoft.com/office/drawing/2010/main">
+                <a:solidFill>
+                  <a:srgbClr val="FFFFFF"/>
+                </a:solidFill>
+              </a14:hiddenFill>
+            </a:ext>
+          </a:extLst>
+        </p:spPr>
+      </p:pic>
+      <p:pic>
+        <p:nvPicPr>
+          <p:cNvPr id="1036" name="Picture 12" descr="Polygon - Crunchbase Investor Profile &amp; Investments">
+            <a:extLst>
+              <a:ext uri="{FF2B5EF4-FFF2-40B4-BE49-F238E27FC236}">
+                <a16:creationId xmlns:a16="http://schemas.microsoft.com/office/drawing/2014/main" id="{10EA2A5F-2E6B-89DD-EA20-31233051D06E}"/>
+              </a:ext>
+            </a:extLst>
+          </p:cNvPr>
+          <p:cNvPicPr>
+            <a:picLocks noChangeAspect="1" noChangeArrowheads="1"/>
+          </p:cNvPicPr>
+          <p:nvPr/>
+        </p:nvPicPr>
+        <p:blipFill>
+          <a:blip r:embed="rId8">
+            <a:extLst>
+              <a:ext uri="{28A0092B-C50C-407E-A947-70E740481C1C}">
+                <a14:useLocalDpi xmlns:a14="http://schemas.microsoft.com/office/drawing/2010/main" val="0"/>
+              </a:ext>
+            </a:extLst>
+          </a:blip>
+          <a:srcRect/>
+          <a:stretch>
+            <a:fillRect/>
+          </a:stretch>
+        </p:blipFill>
+        <p:spPr bwMode="auto">
+          <a:xfrm>
+            <a:off x="1250075" y="5724756"/>
+            <a:ext cx="798235" cy="798235"/>
+          </a:xfrm>
+          <a:prstGeom prst="rect">
+            <a:avLst/>
+          </a:prstGeom>
+          <a:noFill/>
+          <a:extLst>
+            <a:ext uri="{909E8E84-426E-40DD-AFC4-6F175D3DCCD1}">
+              <a14:hiddenFill xmlns:a14="http://schemas.microsoft.com/office/drawing/2010/main">
+                <a:solidFill>
+                  <a:srgbClr val="FFFFFF"/>
+                </a:solidFill>
+              </a14:hiddenFill>
+            </a:ext>
+          </a:extLst>
+        </p:spPr>
+      </p:pic>
+      <p:pic>
+        <p:nvPicPr>
+          <p:cNvPr id="1038" name="Picture 14" descr="The Best Wallet for BSC (Binance Smart Chain) - AlphaWallet app">
+            <a:extLst>
+              <a:ext uri="{FF2B5EF4-FFF2-40B4-BE49-F238E27FC236}">
+                <a16:creationId xmlns:a16="http://schemas.microsoft.com/office/drawing/2014/main" id="{8BE8F6D1-C4F6-17B2-2365-D8F1FAB5E3B8}"/>
+              </a:ext>
+            </a:extLst>
+          </p:cNvPr>
+          <p:cNvPicPr>
+            <a:picLocks noChangeAspect="1" noChangeArrowheads="1"/>
+          </p:cNvPicPr>
+          <p:nvPr/>
+        </p:nvPicPr>
+        <p:blipFill>
+          <a:blip r:embed="rId9">
+            <a:extLst>
+              <a:ext uri="{28A0092B-C50C-407E-A947-70E740481C1C}">
+                <a14:useLocalDpi xmlns:a14="http://schemas.microsoft.com/office/drawing/2010/main" val="0"/>
+              </a:ext>
+            </a:extLst>
+          </a:blip>
+          <a:srcRect/>
+          <a:stretch>
+            <a:fillRect/>
+          </a:stretch>
+        </p:blipFill>
+        <p:spPr bwMode="auto">
+          <a:xfrm>
+            <a:off x="2387352" y="5729756"/>
+            <a:ext cx="798234" cy="798234"/>
+          </a:xfrm>
+          <a:prstGeom prst="rect">
+            <a:avLst/>
+          </a:prstGeom>
+          <a:noFill/>
+          <a:extLst>
+            <a:ext uri="{909E8E84-426E-40DD-AFC4-6F175D3DCCD1}">
+              <a14:hiddenFill xmlns:a14="http://schemas.microsoft.com/office/drawing/2010/main">
+                <a:solidFill>
+                  <a:srgbClr val="FFFFFF"/>
+                </a:solidFill>
+              </a14:hiddenFill>
+            </a:ext>
+          </a:extLst>
+        </p:spPr>
+      </p:pic>
+      <p:pic>
+        <p:nvPicPr>
+          <p:cNvPr id="1040" name="Picture 16">
+            <a:extLst>
+              <a:ext uri="{FF2B5EF4-FFF2-40B4-BE49-F238E27FC236}">
+                <a16:creationId xmlns:a16="http://schemas.microsoft.com/office/drawing/2014/main" id="{A19AC091-1951-FEDF-3729-9E723A3EE83E}"/>
+              </a:ext>
+            </a:extLst>
+          </p:cNvPr>
+          <p:cNvPicPr>
+            <a:picLocks noChangeAspect="1" noChangeArrowheads="1"/>
+          </p:cNvPicPr>
+          <p:nvPr/>
+        </p:nvPicPr>
+        <p:blipFill>
+          <a:blip r:embed="rId10">
+            <a:extLst>
+              <a:ext uri="{28A0092B-C50C-407E-A947-70E740481C1C}">
+                <a14:useLocalDpi xmlns:a14="http://schemas.microsoft.com/office/drawing/2010/main" val="0"/>
+              </a:ext>
+            </a:extLst>
+          </a:blip>
+          <a:srcRect/>
+          <a:stretch>
+            <a:fillRect/>
+          </a:stretch>
+        </p:blipFill>
+        <p:spPr bwMode="auto">
+          <a:xfrm>
+            <a:off x="3595846" y="5724757"/>
+            <a:ext cx="797679" cy="798234"/>
+          </a:xfrm>
+          <a:prstGeom prst="rect">
+            <a:avLst/>
+          </a:prstGeom>
+          <a:noFill/>
+          <a:extLst>
+            <a:ext uri="{909E8E84-426E-40DD-AFC4-6F175D3DCCD1}">
+              <a14:hiddenFill xmlns:a14="http://schemas.microsoft.com/office/drawing/2010/main">
+                <a:solidFill>
+                  <a:srgbClr val="FFFFFF"/>
+                </a:solidFill>
+              </a14:hiddenFill>
+            </a:ext>
+          </a:extLst>
+        </p:spPr>
+      </p:pic>
       <p:pic>
         <p:nvPicPr>
           <p:cNvPr id="1042" name="Picture 18" descr="1 Data Science Course &amp; Certification Institute in Jaipur – Zeetron Networks">
@@ -18077,7 +18110,7 @@
         </p:blipFill>
         <p:spPr bwMode="auto">
           <a:xfrm>
-            <a:off x="9428562" y="1910676"/>
+            <a:off x="8593906" y="1878117"/>
             <a:ext cx="1306735" cy="1306735"/>
           </a:xfrm>
           <a:prstGeom prst="rect">
@@ -18169,12 +18202,55 @@
           </a:fontRef>
         </p:style>
       </p:cxnSp>
+      <p:sp>
+        <p:nvSpPr>
+          <p:cNvPr id="64" name="TextBox 63">
+            <a:extLst>
+              <a:ext uri="{FF2B5EF4-FFF2-40B4-BE49-F238E27FC236}">
+                <a16:creationId xmlns:a16="http://schemas.microsoft.com/office/drawing/2014/main" id="{CA8DB50A-1781-3951-47DF-DC9076A17BF8}"/>
+              </a:ext>
+            </a:extLst>
+          </p:cNvPr>
+          <p:cNvSpPr txBox="1"/>
+          <p:nvPr/>
+        </p:nvSpPr>
+        <p:spPr>
+          <a:xfrm>
+            <a:off x="5238243" y="795276"/>
+            <a:ext cx="2077813" cy="523220"/>
+          </a:xfrm>
+          <a:prstGeom prst="rect">
+            <a:avLst/>
+          </a:prstGeom>
+          <a:solidFill>
+            <a:schemeClr val="accent6"/>
+          </a:solidFill>
+        </p:spPr>
+        <p:txBody>
+          <a:bodyPr wrap="none" rtlCol="0">
+            <a:spAutoFit/>
+          </a:bodyPr>
+          <a:lstStyle/>
+          <a:p>
+            <a:r>
+              <a:rPr lang="en-US" sz="2800" b="1" dirty="0">
+                <a:solidFill>
+                  <a:schemeClr val="bg1">
+                    <a:lumMod val="95000"/>
+                  </a:schemeClr>
+                </a:solidFill>
+              </a:rPr>
+              <a:t>Languages</a:t>
+            </a:r>
+          </a:p>
+        </p:txBody>
+      </p:sp>
       <p:grpSp>
         <p:nvGrpSpPr>
-          <p:cNvPr id="58" name="Group 57">
+          <p:cNvPr id="41" name="Group 40">
             <a:extLst>
               <a:ext uri="{FF2B5EF4-FFF2-40B4-BE49-F238E27FC236}">
-                <a16:creationId xmlns:a16="http://schemas.microsoft.com/office/drawing/2014/main" id="{EC3BD37F-5E49-8AD0-BCD6-F81EC3B989B6}"/>
+                <a16:creationId xmlns:a16="http://schemas.microsoft.com/office/drawing/2014/main" id="{1362FDFB-8C44-BAA0-6A7B-67D616521D51}"/>
               </a:ext>
             </a:extLst>
           </p:cNvPr>
@@ -18183,55 +18259,12 @@
         </p:nvGrpSpPr>
         <p:grpSpPr>
           <a:xfrm>
-            <a:off x="5122100" y="795276"/>
-            <a:ext cx="2646913" cy="1967643"/>
-            <a:chOff x="5122100" y="795276"/>
-            <a:chExt cx="2646913" cy="1967643"/>
+            <a:off x="4825787" y="1405692"/>
+            <a:ext cx="2712916" cy="1302031"/>
+            <a:chOff x="4825787" y="1405692"/>
+            <a:chExt cx="2712916" cy="1302031"/>
           </a:xfrm>
         </p:grpSpPr>
-        <p:sp>
-          <p:nvSpPr>
-            <p:cNvPr id="64" name="TextBox 63">
-              <a:extLst>
-                <a:ext uri="{FF2B5EF4-FFF2-40B4-BE49-F238E27FC236}">
-                  <a16:creationId xmlns:a16="http://schemas.microsoft.com/office/drawing/2014/main" id="{CA8DB50A-1781-3951-47DF-DC9076A17BF8}"/>
-                </a:ext>
-              </a:extLst>
-            </p:cNvPr>
-            <p:cNvSpPr txBox="1"/>
-            <p:nvPr/>
-          </p:nvSpPr>
-          <p:spPr>
-            <a:xfrm>
-              <a:off x="5238243" y="795276"/>
-              <a:ext cx="2077813" cy="523220"/>
-            </a:xfrm>
-            <a:prstGeom prst="rect">
-              <a:avLst/>
-            </a:prstGeom>
-            <a:solidFill>
-              <a:schemeClr val="accent6"/>
-            </a:solidFill>
-          </p:spPr>
-          <p:txBody>
-            <a:bodyPr wrap="none" rtlCol="0">
-              <a:spAutoFit/>
-            </a:bodyPr>
-            <a:lstStyle/>
-            <a:p>
-              <a:r>
-                <a:rPr lang="en-US" sz="2800" b="1" dirty="0">
-                  <a:solidFill>
-                    <a:schemeClr val="bg1">
-                      <a:lumMod val="95000"/>
-                    </a:schemeClr>
-                  </a:solidFill>
-                </a:rPr>
-                <a:t>Languages</a:t>
-              </a:r>
-            </a:p>
-          </p:txBody>
-        </p:sp>
         <p:pic>
           <p:nvPicPr>
             <p:cNvPr id="1056" name="Picture 32">
@@ -18261,7 +18294,7 @@
           </p:blipFill>
           <p:spPr bwMode="auto">
             <a:xfrm>
-              <a:off x="5160970" y="1472272"/>
+              <a:off x="6324544" y="1521936"/>
               <a:ext cx="465448" cy="523221"/>
             </a:xfrm>
             <a:prstGeom prst="rect">
@@ -18308,7 +18341,7 @@
           </p:blipFill>
           <p:spPr bwMode="auto">
             <a:xfrm>
-              <a:off x="5504836" y="1387997"/>
+              <a:off x="4825787" y="1405692"/>
               <a:ext cx="1078617" cy="719078"/>
             </a:xfrm>
             <a:prstGeom prst="rect">
@@ -18355,7 +18388,7 @@
           </p:blipFill>
           <p:spPr bwMode="auto">
             <a:xfrm>
-              <a:off x="6460086" y="1436676"/>
+              <a:off x="5816835" y="1468714"/>
               <a:ext cx="391066" cy="606826"/>
             </a:xfrm>
             <a:prstGeom prst="rect">
@@ -18402,7 +18435,7 @@
           </p:blipFill>
           <p:spPr bwMode="auto">
             <a:xfrm>
-              <a:off x="6930548" y="1438796"/>
+              <a:off x="6930548" y="1489595"/>
               <a:ext cx="608155" cy="605789"/>
             </a:xfrm>
             <a:prstGeom prst="rect">
@@ -18449,7 +18482,7 @@
           </p:blipFill>
           <p:spPr bwMode="auto">
             <a:xfrm>
-              <a:off x="5122100" y="2119106"/>
+              <a:off x="5122100" y="2169905"/>
               <a:ext cx="503506" cy="503506"/>
             </a:xfrm>
             <a:prstGeom prst="rect">
@@ -18496,7 +18529,7 @@
           </p:blipFill>
           <p:spPr bwMode="auto">
             <a:xfrm>
-              <a:off x="5782534" y="2117264"/>
+              <a:off x="5782534" y="2168063"/>
               <a:ext cx="503506" cy="503506"/>
             </a:xfrm>
             <a:prstGeom prst="rect">
@@ -18543,7 +18576,7 @@
           </p:blipFill>
           <p:spPr bwMode="auto">
             <a:xfrm>
-              <a:off x="6339639" y="2101896"/>
+              <a:off x="6339639" y="2152695"/>
               <a:ext cx="555028" cy="555028"/>
             </a:xfrm>
             <a:prstGeom prst="rect">
@@ -18561,54 +18594,54 @@
             </a:extLst>
           </p:spPr>
         </p:pic>
-        <p:pic>
-          <p:nvPicPr>
-            <p:cNvPr id="1070" name="Picture 46" descr="Android Logo PNG Images, Android Symbols, Icon - Free Transparent PNG Logos">
-              <a:extLst>
-                <a:ext uri="{FF2B5EF4-FFF2-40B4-BE49-F238E27FC236}">
-                  <a16:creationId xmlns:a16="http://schemas.microsoft.com/office/drawing/2014/main" id="{A96978B0-CC8F-63AF-24BE-821BF04B6505}"/>
-                </a:ext>
-              </a:extLst>
-            </p:cNvPr>
-            <p:cNvPicPr>
-              <a:picLocks noChangeAspect="1" noChangeArrowheads="1"/>
-            </p:cNvPicPr>
-            <p:nvPr/>
-          </p:nvPicPr>
-          <p:blipFill>
-            <a:blip r:embed="rId20">
-              <a:extLst>
-                <a:ext uri="{28A0092B-C50C-407E-A947-70E740481C1C}">
-                  <a14:useLocalDpi xmlns:a14="http://schemas.microsoft.com/office/drawing/2010/main" val="0"/>
-                </a:ext>
-              </a:extLst>
-            </a:blip>
-            <a:srcRect/>
-            <a:stretch>
-              <a:fillRect/>
-            </a:stretch>
-          </p:blipFill>
-          <p:spPr bwMode="auto">
-            <a:xfrm>
-              <a:off x="6700237" y="1961337"/>
-              <a:ext cx="1068776" cy="801582"/>
-            </a:xfrm>
-            <a:prstGeom prst="rect">
-              <a:avLst/>
-            </a:prstGeom>
-            <a:noFill/>
+      </p:grpSp>
+      <p:pic>
+        <p:nvPicPr>
+          <p:cNvPr id="1070" name="Picture 46" descr="Android Logo PNG Images, Android Symbols, Icon - Free Transparent PNG Logos">
             <a:extLst>
-              <a:ext uri="{909E8E84-426E-40DD-AFC4-6F175D3DCCD1}">
-                <a14:hiddenFill xmlns:a14="http://schemas.microsoft.com/office/drawing/2010/main">
-                  <a:solidFill>
-                    <a:srgbClr val="FFFFFF"/>
-                  </a:solidFill>
-                </a14:hiddenFill>
+              <a:ext uri="{FF2B5EF4-FFF2-40B4-BE49-F238E27FC236}">
+                <a16:creationId xmlns:a16="http://schemas.microsoft.com/office/drawing/2014/main" id="{A96978B0-CC8F-63AF-24BE-821BF04B6505}"/>
               </a:ext>
             </a:extLst>
-          </p:spPr>
-        </p:pic>
-      </p:grpSp>
+          </p:cNvPr>
+          <p:cNvPicPr>
+            <a:picLocks noChangeAspect="1" noChangeArrowheads="1"/>
+          </p:cNvPicPr>
+          <p:nvPr/>
+        </p:nvPicPr>
+        <p:blipFill>
+          <a:blip r:embed="rId20">
+            <a:extLst>
+              <a:ext uri="{28A0092B-C50C-407E-A947-70E740481C1C}">
+                <a14:useLocalDpi xmlns:a14="http://schemas.microsoft.com/office/drawing/2010/main" val="0"/>
+              </a:ext>
+            </a:extLst>
+          </a:blip>
+          <a:srcRect/>
+          <a:stretch>
+            <a:fillRect/>
+          </a:stretch>
+        </p:blipFill>
+        <p:spPr bwMode="auto">
+          <a:xfrm>
+            <a:off x="6700237" y="1961337"/>
+            <a:ext cx="1068776" cy="801582"/>
+          </a:xfrm>
+          <a:prstGeom prst="rect">
+            <a:avLst/>
+          </a:prstGeom>
+          <a:noFill/>
+          <a:extLst>
+            <a:ext uri="{909E8E84-426E-40DD-AFC4-6F175D3DCCD1}">
+              <a14:hiddenFill xmlns:a14="http://schemas.microsoft.com/office/drawing/2010/main">
+                <a:solidFill>
+                  <a:srgbClr val="FFFFFF"/>
+                </a:solidFill>
+              </a14:hiddenFill>
+            </a:ext>
+          </a:extLst>
+        </p:spPr>
+      </p:pic>
       <p:cxnSp>
         <p:nvCxnSpPr>
           <p:cNvPr id="73" name="Straight Connector 72">
@@ -18737,7 +18770,7 @@
         </p:nvGrpSpPr>
         <p:grpSpPr>
           <a:xfrm>
-            <a:off x="6791709" y="3648751"/>
+            <a:off x="6786600" y="3547482"/>
             <a:ext cx="2752655" cy="598897"/>
             <a:chOff x="6456004" y="3559637"/>
             <a:chExt cx="2752655" cy="598897"/>
@@ -18863,12 +18896,19 @@
         </p:blipFill>
         <p:spPr>
           <a:xfrm>
-            <a:off x="4776922" y="3630345"/>
+            <a:off x="10648072" y="3681215"/>
             <a:ext cx="795288" cy="283378"/>
           </a:xfrm>
           <a:prstGeom prst="rect">
             <a:avLst/>
           </a:prstGeom>
+          <a:effectLst>
+            <a:outerShdw blurRad="50800" dist="38100" dir="5400000" algn="t" rotWithShape="0">
+              <a:prstClr val="black">
+                <a:alpha val="40000"/>
+              </a:prstClr>
+            </a:outerShdw>
+          </a:effectLst>
         </p:spPr>
       </p:pic>
       <p:pic>
@@ -18900,13 +18940,20 @@
         </p:blipFill>
         <p:spPr bwMode="auto">
           <a:xfrm>
-            <a:off x="4956844" y="4000309"/>
+            <a:off x="10863373" y="4019990"/>
             <a:ext cx="408252" cy="408252"/>
           </a:xfrm>
           <a:prstGeom prst="rect">
             <a:avLst/>
           </a:prstGeom>
           <a:noFill/>
+          <a:effectLst>
+            <a:outerShdw blurRad="50800" dist="38100" dir="2700000" algn="tl" rotWithShape="0">
+              <a:prstClr val="black">
+                <a:alpha val="40000"/>
+              </a:prstClr>
+            </a:outerShdw>
+          </a:effectLst>
           <a:extLst>
             <a:ext uri="{909E8E84-426E-40DD-AFC4-6F175D3DCCD1}">
               <a14:hiddenFill xmlns:a14="http://schemas.microsoft.com/office/drawing/2010/main">
@@ -18920,10 +18967,10 @@
       </p:pic>
       <p:grpSp>
         <p:nvGrpSpPr>
-          <p:cNvPr id="7" name="Group 6">
+          <p:cNvPr id="31" name="Group 30">
             <a:extLst>
               <a:ext uri="{FF2B5EF4-FFF2-40B4-BE49-F238E27FC236}">
-                <a16:creationId xmlns:a16="http://schemas.microsoft.com/office/drawing/2014/main" id="{A13AB16C-4F8D-A1FD-7A75-7244D1D95925}"/>
+                <a16:creationId xmlns:a16="http://schemas.microsoft.com/office/drawing/2014/main" id="{F3C75100-0111-D1B6-1750-3DE2F0ABEA52}"/>
               </a:ext>
             </a:extLst>
           </p:cNvPr>
@@ -18932,10 +18979,10 @@
         </p:nvGrpSpPr>
         <p:grpSpPr>
           <a:xfrm>
-            <a:off x="6374117" y="4515817"/>
-            <a:ext cx="3925230" cy="1693163"/>
+            <a:off x="6103184" y="4515817"/>
+            <a:ext cx="4196527" cy="1513398"/>
             <a:chOff x="6374117" y="4515817"/>
-            <a:chExt cx="3925230" cy="1693163"/>
+            <a:chExt cx="4196527" cy="1513398"/>
           </a:xfrm>
         </p:grpSpPr>
         <p:pic>
@@ -19061,8 +19108,8 @@
           </p:blipFill>
           <p:spPr bwMode="auto">
             <a:xfrm>
-              <a:off x="9745938" y="4517094"/>
-              <a:ext cx="553409" cy="989949"/>
+              <a:off x="9642906" y="4517094"/>
+              <a:ext cx="416840" cy="745651"/>
             </a:xfrm>
             <a:prstGeom prst="rect">
               <a:avLst/>
@@ -19149,7 +19196,7 @@
           <p:spPr>
             <a:xfrm>
               <a:off x="8832908" y="5353078"/>
-              <a:ext cx="812487" cy="855902"/>
+              <a:ext cx="635123" cy="669061"/>
             </a:xfrm>
             <a:prstGeom prst="rect">
               <a:avLst/>
@@ -19216,7 +19263,204 @@
             </a:prstGeom>
           </p:spPr>
         </p:pic>
+        <p:pic>
+          <p:nvPicPr>
+            <p:cNvPr id="19" name="Picture 18">
+              <a:extLst>
+                <a:ext uri="{FF2B5EF4-FFF2-40B4-BE49-F238E27FC236}">
+                  <a16:creationId xmlns:a16="http://schemas.microsoft.com/office/drawing/2014/main" id="{A090248F-46E0-5DD0-C5C7-D8F8F39C36A4}"/>
+                </a:ext>
+              </a:extLst>
+            </p:cNvPr>
+            <p:cNvPicPr>
+              <a:picLocks noChangeAspect="1"/>
+            </p:cNvPicPr>
+            <p:nvPr/>
+          </p:nvPicPr>
+          <p:blipFill>
+            <a:blip r:embed="rId31"/>
+            <a:stretch>
+              <a:fillRect/>
+            </a:stretch>
+          </p:blipFill>
+          <p:spPr>
+            <a:xfrm>
+              <a:off x="9544364" y="5444037"/>
+              <a:ext cx="1026280" cy="363474"/>
+            </a:xfrm>
+            <a:prstGeom prst="rect">
+              <a:avLst/>
+            </a:prstGeom>
+          </p:spPr>
+        </p:pic>
       </p:grpSp>
+      <p:pic>
+        <p:nvPicPr>
+          <p:cNvPr id="29" name="Picture 4" descr="Polkadot (DOT): Price Forecast - Monday Investor">
+            <a:extLst>
+              <a:ext uri="{FF2B5EF4-FFF2-40B4-BE49-F238E27FC236}">
+                <a16:creationId xmlns:a16="http://schemas.microsoft.com/office/drawing/2014/main" id="{ECBDB5DA-E854-60EF-B87A-F51DF24FD7AF}"/>
+              </a:ext>
+            </a:extLst>
+          </p:cNvPr>
+          <p:cNvPicPr>
+            <a:picLocks noChangeAspect="1" noChangeArrowheads="1"/>
+          </p:cNvPicPr>
+          <p:nvPr/>
+        </p:nvPicPr>
+        <p:blipFill>
+          <a:blip r:embed="rId32">
+            <a:extLst>
+              <a:ext uri="{28A0092B-C50C-407E-A947-70E740481C1C}">
+                <a14:useLocalDpi xmlns:a14="http://schemas.microsoft.com/office/drawing/2010/main" val="0"/>
+              </a:ext>
+            </a:extLst>
+          </a:blip>
+          <a:srcRect/>
+          <a:stretch>
+            <a:fillRect/>
+          </a:stretch>
+        </p:blipFill>
+        <p:spPr bwMode="auto">
+          <a:xfrm>
+            <a:off x="377419" y="4608191"/>
+            <a:ext cx="789601" cy="789601"/>
+          </a:xfrm>
+          <a:prstGeom prst="rect">
+            <a:avLst/>
+          </a:prstGeom>
+          <a:noFill/>
+          <a:extLst>
+            <a:ext uri="{909E8E84-426E-40DD-AFC4-6F175D3DCCD1}">
+              <a14:hiddenFill xmlns:a14="http://schemas.microsoft.com/office/drawing/2010/main">
+                <a:solidFill>
+                  <a:srgbClr val="FFFFFF"/>
+                </a:solidFill>
+              </a14:hiddenFill>
+            </a:ext>
+          </a:extLst>
+        </p:spPr>
+      </p:pic>
+      <p:pic>
+        <p:nvPicPr>
+          <p:cNvPr id="33" name="Picture 6" descr="Solana (SOL) Logo PNG Vector (PDF) Free Download">
+            <a:extLst>
+              <a:ext uri="{FF2B5EF4-FFF2-40B4-BE49-F238E27FC236}">
+                <a16:creationId xmlns:a16="http://schemas.microsoft.com/office/drawing/2014/main" id="{ED5B354E-E51E-6B95-8FE8-262A98F1F4B0}"/>
+              </a:ext>
+            </a:extLst>
+          </p:cNvPr>
+          <p:cNvPicPr>
+            <a:picLocks noChangeAspect="1" noChangeArrowheads="1"/>
+          </p:cNvPicPr>
+          <p:nvPr/>
+        </p:nvPicPr>
+        <p:blipFill>
+          <a:blip r:embed="rId33">
+            <a:extLst>
+              <a:ext uri="{28A0092B-C50C-407E-A947-70E740481C1C}">
+                <a14:useLocalDpi xmlns:a14="http://schemas.microsoft.com/office/drawing/2010/main" val="0"/>
+              </a:ext>
+            </a:extLst>
+          </a:blip>
+          <a:srcRect/>
+          <a:stretch>
+            <a:fillRect/>
+          </a:stretch>
+        </p:blipFill>
+        <p:spPr bwMode="auto">
+          <a:xfrm>
+            <a:off x="4560600" y="5680507"/>
+            <a:ext cx="866354" cy="866354"/>
+          </a:xfrm>
+          <a:prstGeom prst="rect">
+            <a:avLst/>
+          </a:prstGeom>
+          <a:noFill/>
+          <a:extLst>
+            <a:ext uri="{909E8E84-426E-40DD-AFC4-6F175D3DCCD1}">
+              <a14:hiddenFill xmlns:a14="http://schemas.microsoft.com/office/drawing/2010/main">
+                <a:solidFill>
+                  <a:srgbClr val="FFFFFF"/>
+                </a:solidFill>
+              </a14:hiddenFill>
+            </a:ext>
+          </a:extLst>
+        </p:spPr>
+      </p:pic>
+      <p:sp>
+        <p:nvSpPr>
+          <p:cNvPr id="43" name="TextBox 42">
+            <a:extLst>
+              <a:ext uri="{FF2B5EF4-FFF2-40B4-BE49-F238E27FC236}">
+                <a16:creationId xmlns:a16="http://schemas.microsoft.com/office/drawing/2014/main" id="{7FCEF006-4F73-FE5C-47CB-FED93BCD2CAB}"/>
+              </a:ext>
+            </a:extLst>
+          </p:cNvPr>
+          <p:cNvSpPr txBox="1"/>
+          <p:nvPr/>
+        </p:nvSpPr>
+        <p:spPr>
+          <a:xfrm>
+            <a:off x="9938973" y="2261700"/>
+            <a:ext cx="1299264" cy="523220"/>
+          </a:xfrm>
+          <a:prstGeom prst="rect">
+            <a:avLst/>
+          </a:prstGeom>
+          <a:noFill/>
+        </p:spPr>
+        <p:txBody>
+          <a:bodyPr wrap="square" rtlCol="0">
+            <a:spAutoFit/>
+          </a:bodyPr>
+          <a:lstStyle/>
+          <a:p>
+            <a:r>
+              <a:rPr lang="en-US" sz="2800" dirty="0">
+                <a:solidFill>
+                  <a:schemeClr val="tx2">
+                    <a:lumMod val="75000"/>
+                  </a:schemeClr>
+                </a:solidFill>
+                <a:latin typeface="Segoe UI" panose="020B0502040204020203" pitchFamily="34" charset="0"/>
+                <a:cs typeface="Segoe UI" panose="020B0502040204020203" pitchFamily="34" charset="0"/>
+              </a:rPr>
+              <a:t>Bot</a:t>
+            </a:r>
+          </a:p>
+        </p:txBody>
+      </p:sp>
+      <p:pic>
+        <p:nvPicPr>
+          <p:cNvPr id="53" name="Picture 52" descr="A person taking a selfie&#10;&#10;Description automatically generated">
+            <a:extLst>
+              <a:ext uri="{FF2B5EF4-FFF2-40B4-BE49-F238E27FC236}">
+                <a16:creationId xmlns:a16="http://schemas.microsoft.com/office/drawing/2014/main" id="{A2EF1D44-6045-590B-920C-EC114A3DBD03}"/>
+              </a:ext>
+            </a:extLst>
+          </p:cNvPr>
+          <p:cNvPicPr>
+            <a:picLocks noChangeAspect="1"/>
+          </p:cNvPicPr>
+          <p:nvPr/>
+        </p:nvPicPr>
+        <p:blipFill>
+          <a:blip r:embed="rId34"/>
+          <a:stretch>
+            <a:fillRect/>
+          </a:stretch>
+        </p:blipFill>
+        <p:spPr>
+          <a:xfrm>
+            <a:off x="1026202" y="3040"/>
+            <a:ext cx="1591297" cy="2121730"/>
+          </a:xfrm>
+          <a:prstGeom prst="rect">
+            <a:avLst/>
+          </a:prstGeom>
+        </p:spPr>
+      </p:pic>
     </p:spTree>
     <p:extLst>
       <p:ext uri="{BB962C8B-B14F-4D97-AF65-F5344CB8AC3E}">

--- a/about_me.pptx
+++ b/about_me.pptx
@@ -197,7 +197,7 @@
           <a:p>
             <a:fld id="{15FE3CD1-B16D-4440-B736-5A5B00AE2421}" type="datetimeFigureOut">
               <a:rPr lang="en-US" smtClean="0"/>
-              <a:t>6/12/23</a:t>
+              <a:t>8/30/24</a:t>
             </a:fld>
             <a:endParaRPr lang="en-US"/>
           </a:p>
@@ -711,7 +711,7 @@
           <a:p>
             <a:fld id="{524C6359-9BB8-4148-8114-537E698DA205}" type="datetime1">
               <a:rPr lang="en-US" smtClean="0"/>
-              <a:t>6/12/23</a:t>
+              <a:t>8/30/24</a:t>
             </a:fld>
             <a:endParaRPr lang="en-US" dirty="0"/>
           </a:p>
@@ -1771,7 +1771,7 @@
           <a:p>
             <a:fld id="{A4649BD0-10DB-43E7-8F22-40B3D51B8FC3}" type="datetime1">
               <a:rPr lang="en-US" smtClean="0"/>
-              <a:t>6/12/23</a:t>
+              <a:t>8/30/24</a:t>
             </a:fld>
             <a:endParaRPr lang="en-US"/>
           </a:p>
@@ -2832,7 +2832,7 @@
           <a:p>
             <a:fld id="{0A16C79C-F566-427A-93F6-434A4E613134}" type="datetime1">
               <a:rPr lang="en-US" smtClean="0"/>
-              <a:t>6/12/23</a:t>
+              <a:t>8/30/24</a:t>
             </a:fld>
             <a:endParaRPr lang="en-US"/>
           </a:p>
@@ -3888,7 +3888,7 @@
           <a:p>
             <a:fld id="{9376191F-481E-48E9-BB9A-369A67A7362D}" type="datetime1">
               <a:rPr lang="en-US" smtClean="0"/>
-              <a:t>6/12/23</a:t>
+              <a:t>8/30/24</a:t>
             </a:fld>
             <a:endParaRPr lang="en-US" dirty="0"/>
           </a:p>
@@ -5017,7 +5017,7 @@
           <a:p>
             <a:fld id="{6C5677DE-DD04-48CC-9C18-7BE9FF2DEB6B}" type="datetime1">
               <a:rPr lang="en-US" smtClean="0"/>
-              <a:t>6/12/23</a:t>
+              <a:t>8/30/24</a:t>
             </a:fld>
             <a:endParaRPr lang="en-US"/>
           </a:p>
@@ -6136,7 +6136,7 @@
           <a:p>
             <a:fld id="{463255ED-7101-4D18-A8AE-3B5E4CB87EA5}" type="datetime1">
               <a:rPr lang="en-US" smtClean="0"/>
-              <a:t>6/12/23</a:t>
+              <a:t>8/30/24</a:t>
             </a:fld>
             <a:endParaRPr lang="en-US"/>
           </a:p>
@@ -7442,7 +7442,7 @@
           <a:p>
             <a:fld id="{CD52F23D-51F6-4C94-8CD5-B9ABBF67EE23}" type="datetime1">
               <a:rPr lang="en-US" smtClean="0"/>
-              <a:t>6/12/23</a:t>
+              <a:t>8/30/24</a:t>
             </a:fld>
             <a:endParaRPr lang="en-US"/>
           </a:p>
@@ -7589,7 +7589,7 @@
           <a:p>
             <a:fld id="{D51A702F-6367-4FD1-89A8-3744BE6BA9A2}" type="datetime1">
               <a:rPr lang="en-US" smtClean="0"/>
-              <a:t>6/12/23</a:t>
+              <a:t>8/30/24</a:t>
             </a:fld>
             <a:endParaRPr lang="en-US"/>
           </a:p>
@@ -8553,7 +8553,7 @@
           <a:p>
             <a:fld id="{4A6E99BD-4B4F-4460-B452-0E8146ACCF8F}" type="datetime1">
               <a:rPr lang="en-US" smtClean="0"/>
-              <a:t>6/12/23</a:t>
+              <a:t>8/30/24</a:t>
             </a:fld>
             <a:endParaRPr lang="en-US"/>
           </a:p>
@@ -8872,7 +8872,7 @@
           <a:p>
             <a:fld id="{EB6FD34C-1867-42A9-AC54-D15ADD8A65E7}" type="datetime1">
               <a:rPr lang="en-US" smtClean="0"/>
-              <a:t>6/12/23</a:t>
+              <a:t>8/30/24</a:t>
             </a:fld>
             <a:endParaRPr lang="en-US"/>
           </a:p>
@@ -10020,7 +10020,7 @@
           <a:p>
             <a:fld id="{336133E9-A654-4C17-8C3C-DDCAC83D6EBF}" type="datetime1">
               <a:rPr lang="en-US" smtClean="0"/>
-              <a:t>6/12/23</a:t>
+              <a:t>8/30/24</a:t>
             </a:fld>
             <a:endParaRPr lang="en-US"/>
           </a:p>
@@ -12430,7 +12430,7 @@
           <a:p>
             <a:fld id="{8769D389-4C4C-4FD7-9E6B-9F44477F0EB8}" type="datetime1">
               <a:rPr lang="en-US" smtClean="0"/>
-              <a:t>6/12/23</a:t>
+              <a:t>8/30/24</a:t>
             </a:fld>
             <a:endParaRPr lang="en-US" dirty="0"/>
           </a:p>
@@ -17688,7 +17688,7 @@
         <p:spPr bwMode="auto">
           <a:xfrm>
             <a:off x="1295407" y="4500731"/>
-            <a:ext cx="889470" cy="889470"/>
+            <a:ext cx="628129" cy="628129"/>
           </a:xfrm>
           <a:prstGeom prst="rect">
             <a:avLst/>
@@ -17734,8 +17734,8 @@
         </p:blipFill>
         <p:spPr bwMode="auto">
           <a:xfrm>
-            <a:off x="337052" y="5612775"/>
-            <a:ext cx="636561" cy="1037323"/>
+            <a:off x="368932" y="4440571"/>
+            <a:ext cx="449529" cy="732541"/>
           </a:xfrm>
           <a:prstGeom prst="rect">
             <a:avLst/>
@@ -17782,7 +17782,7 @@
         <p:spPr bwMode="auto">
           <a:xfrm>
             <a:off x="2308469" y="4549666"/>
-            <a:ext cx="787400" cy="787400"/>
+            <a:ext cx="556049" cy="556049"/>
           </a:xfrm>
           <a:prstGeom prst="rect">
             <a:avLst/>
@@ -17829,7 +17829,7 @@
         <p:spPr bwMode="auto">
           <a:xfrm>
             <a:off x="3380868" y="4527851"/>
-            <a:ext cx="787400" cy="787400"/>
+            <a:ext cx="556049" cy="556049"/>
           </a:xfrm>
           <a:prstGeom prst="rect">
             <a:avLst/>
@@ -17876,7 +17876,7 @@
         <p:spPr bwMode="auto">
           <a:xfrm>
             <a:off x="4407824" y="4544785"/>
-            <a:ext cx="753533" cy="753533"/>
+            <a:ext cx="532133" cy="532133"/>
           </a:xfrm>
           <a:prstGeom prst="rect">
             <a:avLst/>
@@ -17922,8 +17922,8 @@
         </p:blipFill>
         <p:spPr bwMode="auto">
           <a:xfrm>
-            <a:off x="1250075" y="5724756"/>
-            <a:ext cx="798235" cy="798235"/>
+            <a:off x="1250076" y="5724757"/>
+            <a:ext cx="563700" cy="563700"/>
           </a:xfrm>
           <a:prstGeom prst="rect">
             <a:avLst/>
@@ -17970,7 +17970,7 @@
         <p:spPr bwMode="auto">
           <a:xfrm>
             <a:off x="2387352" y="5729756"/>
-            <a:ext cx="798234" cy="798234"/>
+            <a:ext cx="563700" cy="563700"/>
           </a:xfrm>
           <a:prstGeom prst="rect">
             <a:avLst/>
@@ -18016,8 +18016,8 @@
         </p:blipFill>
         <p:spPr bwMode="auto">
           <a:xfrm>
-            <a:off x="3595846" y="5724757"/>
-            <a:ext cx="797679" cy="798234"/>
+            <a:off x="3595847" y="5724757"/>
+            <a:ext cx="563308" cy="563700"/>
           </a:xfrm>
           <a:prstGeom prst="rect">
             <a:avLst/>
@@ -18965,335 +18965,6 @@
           </a:extLst>
         </p:spPr>
       </p:pic>
-      <p:grpSp>
-        <p:nvGrpSpPr>
-          <p:cNvPr id="31" name="Group 30">
-            <a:extLst>
-              <a:ext uri="{FF2B5EF4-FFF2-40B4-BE49-F238E27FC236}">
-                <a16:creationId xmlns:a16="http://schemas.microsoft.com/office/drawing/2014/main" id="{F3C75100-0111-D1B6-1750-3DE2F0ABEA52}"/>
-              </a:ext>
-            </a:extLst>
-          </p:cNvPr>
-          <p:cNvGrpSpPr/>
-          <p:nvPr/>
-        </p:nvGrpSpPr>
-        <p:grpSpPr>
-          <a:xfrm>
-            <a:off x="6103184" y="4515817"/>
-            <a:ext cx="4196527" cy="1513398"/>
-            <a:chOff x="6374117" y="4515817"/>
-            <a:chExt cx="4196527" cy="1513398"/>
-          </a:xfrm>
-        </p:grpSpPr>
-        <p:pic>
-          <p:nvPicPr>
-            <p:cNvPr id="1046" name="Picture 22" descr="DRIFE TECHNOLOGIES PRIVATE LIMITED - Crunchbase Company Profile &amp; Funding">
-              <a:extLst>
-                <a:ext uri="{FF2B5EF4-FFF2-40B4-BE49-F238E27FC236}">
-                  <a16:creationId xmlns:a16="http://schemas.microsoft.com/office/drawing/2014/main" id="{F42A9860-6FF9-BE5E-DDED-B7206A35D7C1}"/>
-                </a:ext>
-              </a:extLst>
-            </p:cNvPr>
-            <p:cNvPicPr>
-              <a:picLocks noChangeAspect="1" noChangeArrowheads="1"/>
-            </p:cNvPicPr>
-            <p:nvPr/>
-          </p:nvPicPr>
-          <p:blipFill>
-            <a:blip r:embed="rId24">
-              <a:extLst>
-                <a:ext uri="{28A0092B-C50C-407E-A947-70E740481C1C}">
-                  <a14:useLocalDpi xmlns:a14="http://schemas.microsoft.com/office/drawing/2010/main" val="0"/>
-                </a:ext>
-              </a:extLst>
-            </a:blip>
-            <a:srcRect/>
-            <a:stretch>
-              <a:fillRect/>
-            </a:stretch>
-          </p:blipFill>
-          <p:spPr bwMode="auto">
-            <a:xfrm>
-              <a:off x="6374117" y="4515817"/>
-              <a:ext cx="983580" cy="855976"/>
-            </a:xfrm>
-            <a:prstGeom prst="rect">
-              <a:avLst/>
-            </a:prstGeom>
-            <a:noFill/>
-            <a:extLst>
-              <a:ext uri="{909E8E84-426E-40DD-AFC4-6F175D3DCCD1}">
-                <a14:hiddenFill xmlns:a14="http://schemas.microsoft.com/office/drawing/2010/main">
-                  <a:solidFill>
-                    <a:srgbClr val="FFFFFF"/>
-                  </a:solidFill>
-                </a14:hiddenFill>
-              </a:ext>
-            </a:extLst>
-          </p:spPr>
-        </p:pic>
-        <p:pic>
-          <p:nvPicPr>
-            <p:cNvPr id="1048" name="Picture 24" descr="Boot Finance (@bootfinance) / Twitter">
-              <a:extLst>
-                <a:ext uri="{FF2B5EF4-FFF2-40B4-BE49-F238E27FC236}">
-                  <a16:creationId xmlns:a16="http://schemas.microsoft.com/office/drawing/2014/main" id="{B22AA95D-59DA-98B3-8ED9-A97FA7FCD5DF}"/>
-                </a:ext>
-              </a:extLst>
-            </p:cNvPr>
-            <p:cNvPicPr>
-              <a:picLocks noChangeAspect="1" noChangeArrowheads="1"/>
-            </p:cNvPicPr>
-            <p:nvPr/>
-          </p:nvPicPr>
-          <p:blipFill>
-            <a:blip r:embed="rId25">
-              <a:extLst>
-                <a:ext uri="{28A0092B-C50C-407E-A947-70E740481C1C}">
-                  <a14:useLocalDpi xmlns:a14="http://schemas.microsoft.com/office/drawing/2010/main" val="0"/>
-                </a:ext>
-              </a:extLst>
-            </a:blip>
-            <a:srcRect/>
-            <a:stretch>
-              <a:fillRect/>
-            </a:stretch>
-          </p:blipFill>
-          <p:spPr bwMode="auto">
-            <a:xfrm>
-              <a:off x="7621795" y="4545883"/>
-              <a:ext cx="657960" cy="657960"/>
-            </a:xfrm>
-            <a:prstGeom prst="rect">
-              <a:avLst/>
-            </a:prstGeom>
-            <a:noFill/>
-            <a:extLst>
-              <a:ext uri="{909E8E84-426E-40DD-AFC4-6F175D3DCCD1}">
-                <a14:hiddenFill xmlns:a14="http://schemas.microsoft.com/office/drawing/2010/main">
-                  <a:solidFill>
-                    <a:srgbClr val="FFFFFF"/>
-                  </a:solidFill>
-                </a14:hiddenFill>
-              </a:ext>
-            </a:extLst>
-          </p:spPr>
-        </p:pic>
-        <p:pic>
-          <p:nvPicPr>
-            <p:cNvPr id="1050" name="Picture 26" descr="Master Ventures">
-              <a:extLst>
-                <a:ext uri="{FF2B5EF4-FFF2-40B4-BE49-F238E27FC236}">
-                  <a16:creationId xmlns:a16="http://schemas.microsoft.com/office/drawing/2014/main" id="{9F499E73-EB81-A608-5652-D7A5D3F40366}"/>
-                </a:ext>
-              </a:extLst>
-            </p:cNvPr>
-            <p:cNvPicPr>
-              <a:picLocks noChangeAspect="1" noChangeArrowheads="1"/>
-            </p:cNvPicPr>
-            <p:nvPr/>
-          </p:nvPicPr>
-          <p:blipFill>
-            <a:blip r:embed="rId26">
-              <a:extLst>
-                <a:ext uri="{28A0092B-C50C-407E-A947-70E740481C1C}">
-                  <a14:useLocalDpi xmlns:a14="http://schemas.microsoft.com/office/drawing/2010/main" val="0"/>
-                </a:ext>
-              </a:extLst>
-            </a:blip>
-            <a:srcRect/>
-            <a:stretch>
-              <a:fillRect/>
-            </a:stretch>
-          </p:blipFill>
-          <p:spPr bwMode="auto">
-            <a:xfrm>
-              <a:off x="9642906" y="4517094"/>
-              <a:ext cx="416840" cy="745651"/>
-            </a:xfrm>
-            <a:prstGeom prst="rect">
-              <a:avLst/>
-            </a:prstGeom>
-            <a:noFill/>
-            <a:extLst>
-              <a:ext uri="{909E8E84-426E-40DD-AFC4-6F175D3DCCD1}">
-                <a14:hiddenFill xmlns:a14="http://schemas.microsoft.com/office/drawing/2010/main">
-                  <a:solidFill>
-                    <a:srgbClr val="FFFFFF"/>
-                  </a:solidFill>
-                </a14:hiddenFill>
-              </a:ext>
-            </a:extLst>
-          </p:spPr>
-        </p:pic>
-        <p:pic>
-          <p:nvPicPr>
-            <p:cNvPr id="1054" name="Picture 30" descr="Image">
-              <a:extLst>
-                <a:ext uri="{FF2B5EF4-FFF2-40B4-BE49-F238E27FC236}">
-                  <a16:creationId xmlns:a16="http://schemas.microsoft.com/office/drawing/2014/main" id="{144B74DF-894A-53A2-9BE0-4AAD8ACA2F9A}"/>
-                </a:ext>
-              </a:extLst>
-            </p:cNvPr>
-            <p:cNvPicPr>
-              <a:picLocks noChangeAspect="1" noChangeArrowheads="1"/>
-            </p:cNvPicPr>
-            <p:nvPr/>
-          </p:nvPicPr>
-          <p:blipFill>
-            <a:blip r:embed="rId27">
-              <a:extLst>
-                <a:ext uri="{28A0092B-C50C-407E-A947-70E740481C1C}">
-                  <a14:useLocalDpi xmlns:a14="http://schemas.microsoft.com/office/drawing/2010/main" val="0"/>
-                </a:ext>
-              </a:extLst>
-            </a:blip>
-            <a:srcRect/>
-            <a:stretch>
-              <a:fillRect/>
-            </a:stretch>
-          </p:blipFill>
-          <p:spPr bwMode="auto">
-            <a:xfrm>
-              <a:off x="8014441" y="5331358"/>
-              <a:ext cx="697857" cy="697857"/>
-            </a:xfrm>
-            <a:prstGeom prst="rect">
-              <a:avLst/>
-            </a:prstGeom>
-            <a:noFill/>
-            <a:extLst>
-              <a:ext uri="{909E8E84-426E-40DD-AFC4-6F175D3DCCD1}">
-                <a14:hiddenFill xmlns:a14="http://schemas.microsoft.com/office/drawing/2010/main">
-                  <a:solidFill>
-                    <a:srgbClr val="FFFFFF"/>
-                  </a:solidFill>
-                </a14:hiddenFill>
-              </a:ext>
-            </a:extLst>
-          </p:spPr>
-        </p:pic>
-        <p:pic>
-          <p:nvPicPr>
-            <p:cNvPr id="10" name="Picture 9">
-              <a:extLst>
-                <a:ext uri="{FF2B5EF4-FFF2-40B4-BE49-F238E27FC236}">
-                  <a16:creationId xmlns:a16="http://schemas.microsoft.com/office/drawing/2014/main" id="{A8063DA8-3B24-EABC-3023-20D5D3B9047F}"/>
-                </a:ext>
-              </a:extLst>
-            </p:cNvPr>
-            <p:cNvPicPr>
-              <a:picLocks noChangeAspect="1"/>
-            </p:cNvPicPr>
-            <p:nvPr/>
-          </p:nvPicPr>
-          <p:blipFill>
-            <a:blip r:embed="rId28"/>
-            <a:stretch>
-              <a:fillRect/>
-            </a:stretch>
-          </p:blipFill>
-          <p:spPr>
-            <a:xfrm>
-              <a:off x="8832908" y="5353078"/>
-              <a:ext cx="635123" cy="669061"/>
-            </a:xfrm>
-            <a:prstGeom prst="rect">
-              <a:avLst/>
-            </a:prstGeom>
-          </p:spPr>
-        </p:pic>
-        <p:pic>
-          <p:nvPicPr>
-            <p:cNvPr id="59" name="Picture 58">
-              <a:extLst>
-                <a:ext uri="{FF2B5EF4-FFF2-40B4-BE49-F238E27FC236}">
-                  <a16:creationId xmlns:a16="http://schemas.microsoft.com/office/drawing/2014/main" id="{D9E75864-99A1-925C-494F-A86AE4690CCF}"/>
-                </a:ext>
-              </a:extLst>
-            </p:cNvPr>
-            <p:cNvPicPr>
-              <a:picLocks noChangeAspect="1"/>
-            </p:cNvPicPr>
-            <p:nvPr/>
-          </p:nvPicPr>
-          <p:blipFill>
-            <a:blip r:embed="rId29"/>
-            <a:stretch>
-              <a:fillRect/>
-            </a:stretch>
-          </p:blipFill>
-          <p:spPr>
-            <a:xfrm>
-              <a:off x="8401919" y="4663935"/>
-              <a:ext cx="1105944" cy="421855"/>
-            </a:xfrm>
-            <a:prstGeom prst="rect">
-              <a:avLst/>
-            </a:prstGeom>
-          </p:spPr>
-        </p:pic>
-        <p:pic>
-          <p:nvPicPr>
-            <p:cNvPr id="3" name="Picture 2">
-              <a:extLst>
-                <a:ext uri="{FF2B5EF4-FFF2-40B4-BE49-F238E27FC236}">
-                  <a16:creationId xmlns:a16="http://schemas.microsoft.com/office/drawing/2014/main" id="{561B3082-3A82-E491-AC71-6114C788A4A7}"/>
-                </a:ext>
-              </a:extLst>
-            </p:cNvPr>
-            <p:cNvPicPr>
-              <a:picLocks noChangeAspect="1"/>
-            </p:cNvPicPr>
-            <p:nvPr/>
-          </p:nvPicPr>
-          <p:blipFill>
-            <a:blip r:embed="rId30"/>
-            <a:stretch>
-              <a:fillRect/>
-            </a:stretch>
-          </p:blipFill>
-          <p:spPr>
-            <a:xfrm>
-              <a:off x="6388662" y="5485909"/>
-              <a:ext cx="1337742" cy="468636"/>
-            </a:xfrm>
-            <a:prstGeom prst="rect">
-              <a:avLst/>
-            </a:prstGeom>
-          </p:spPr>
-        </p:pic>
-        <p:pic>
-          <p:nvPicPr>
-            <p:cNvPr id="19" name="Picture 18">
-              <a:extLst>
-                <a:ext uri="{FF2B5EF4-FFF2-40B4-BE49-F238E27FC236}">
-                  <a16:creationId xmlns:a16="http://schemas.microsoft.com/office/drawing/2014/main" id="{A090248F-46E0-5DD0-C5C7-D8F8F39C36A4}"/>
-                </a:ext>
-              </a:extLst>
-            </p:cNvPr>
-            <p:cNvPicPr>
-              <a:picLocks noChangeAspect="1"/>
-            </p:cNvPicPr>
-            <p:nvPr/>
-          </p:nvPicPr>
-          <p:blipFill>
-            <a:blip r:embed="rId31"/>
-            <a:stretch>
-              <a:fillRect/>
-            </a:stretch>
-          </p:blipFill>
-          <p:spPr>
-            <a:xfrm>
-              <a:off x="9544364" y="5444037"/>
-              <a:ext cx="1026280" cy="363474"/>
-            </a:xfrm>
-            <a:prstGeom prst="rect">
-              <a:avLst/>
-            </a:prstGeom>
-          </p:spPr>
-        </p:pic>
-      </p:grpSp>
       <p:pic>
         <p:nvPicPr>
           <p:cNvPr id="29" name="Picture 4" descr="Polkadot (DOT): Price Forecast - Monday Investor">
@@ -19309,7 +18980,7 @@
           <p:nvPr/>
         </p:nvPicPr>
         <p:blipFill>
-          <a:blip r:embed="rId32">
+          <a:blip r:embed="rId24">
             <a:extLst>
               <a:ext uri="{28A0092B-C50C-407E-A947-70E740481C1C}">
                 <a14:useLocalDpi xmlns:a14="http://schemas.microsoft.com/office/drawing/2010/main" val="0"/>
@@ -19323,8 +18994,8 @@
         </p:blipFill>
         <p:spPr bwMode="auto">
           <a:xfrm>
-            <a:off x="377419" y="4608191"/>
-            <a:ext cx="789601" cy="789601"/>
+            <a:off x="306604" y="5706779"/>
+            <a:ext cx="557603" cy="557603"/>
           </a:xfrm>
           <a:prstGeom prst="rect">
             <a:avLst/>
@@ -19356,7 +19027,7 @@
           <p:nvPr/>
         </p:nvPicPr>
         <p:blipFill>
-          <a:blip r:embed="rId33">
+          <a:blip r:embed="rId25">
             <a:extLst>
               <a:ext uri="{28A0092B-C50C-407E-A947-70E740481C1C}">
                 <a14:useLocalDpi xmlns:a14="http://schemas.microsoft.com/office/drawing/2010/main" val="0"/>
@@ -19371,7 +19042,7 @@
         <p:spPr bwMode="auto">
           <a:xfrm>
             <a:off x="4560600" y="5680507"/>
-            <a:ext cx="866354" cy="866354"/>
+            <a:ext cx="611805" cy="611805"/>
           </a:xfrm>
           <a:prstGeom prst="rect">
             <a:avLst/>
@@ -19446,7 +19117,7 @@
           <p:nvPr/>
         </p:nvPicPr>
         <p:blipFill>
-          <a:blip r:embed="rId34"/>
+          <a:blip r:embed="rId26"/>
           <a:stretch>
             <a:fillRect/>
           </a:stretch>
@@ -19461,6 +19132,449 @@
           </a:prstGeom>
         </p:spPr>
       </p:pic>
+      <p:grpSp>
+        <p:nvGrpSpPr>
+          <p:cNvPr id="21" name="Group 20">
+            <a:extLst>
+              <a:ext uri="{FF2B5EF4-FFF2-40B4-BE49-F238E27FC236}">
+                <a16:creationId xmlns:a16="http://schemas.microsoft.com/office/drawing/2014/main" id="{05985F5E-A113-D014-2612-14A938816D82}"/>
+              </a:ext>
+            </a:extLst>
+          </p:cNvPr>
+          <p:cNvGrpSpPr/>
+          <p:nvPr/>
+        </p:nvGrpSpPr>
+        <p:grpSpPr>
+          <a:xfrm>
+            <a:off x="6065073" y="4404418"/>
+            <a:ext cx="3914598" cy="1627891"/>
+            <a:chOff x="5959193" y="4161678"/>
+            <a:chExt cx="3914598" cy="1627891"/>
+          </a:xfrm>
+        </p:grpSpPr>
+        <p:pic>
+          <p:nvPicPr>
+            <p:cNvPr id="1046" name="Picture 22" descr="DRIFE TECHNOLOGIES PRIVATE LIMITED - Crunchbase Company Profile &amp; Funding">
+              <a:extLst>
+                <a:ext uri="{FF2B5EF4-FFF2-40B4-BE49-F238E27FC236}">
+                  <a16:creationId xmlns:a16="http://schemas.microsoft.com/office/drawing/2014/main" id="{F42A9860-6FF9-BE5E-DDED-B7206A35D7C1}"/>
+                </a:ext>
+              </a:extLst>
+            </p:cNvPr>
+            <p:cNvPicPr>
+              <a:picLocks noChangeAspect="1" noChangeArrowheads="1"/>
+            </p:cNvPicPr>
+            <p:nvPr/>
+          </p:nvPicPr>
+          <p:blipFill>
+            <a:blip r:embed="rId27">
+              <a:extLst>
+                <a:ext uri="{28A0092B-C50C-407E-A947-70E740481C1C}">
+                  <a14:useLocalDpi xmlns:a14="http://schemas.microsoft.com/office/drawing/2010/main" val="0"/>
+                </a:ext>
+              </a:extLst>
+            </a:blip>
+            <a:srcRect/>
+            <a:stretch>
+              <a:fillRect/>
+            </a:stretch>
+          </p:blipFill>
+          <p:spPr bwMode="auto">
+            <a:xfrm>
+              <a:off x="9209985" y="4189178"/>
+              <a:ext cx="606807" cy="528083"/>
+            </a:xfrm>
+            <a:prstGeom prst="rect">
+              <a:avLst/>
+            </a:prstGeom>
+            <a:noFill/>
+            <a:extLst>
+              <a:ext uri="{909E8E84-426E-40DD-AFC4-6F175D3DCCD1}">
+                <a14:hiddenFill xmlns:a14="http://schemas.microsoft.com/office/drawing/2010/main">
+                  <a:solidFill>
+                    <a:srgbClr val="FFFFFF"/>
+                  </a:solidFill>
+                </a14:hiddenFill>
+              </a:ext>
+            </a:extLst>
+          </p:spPr>
+        </p:pic>
+        <p:pic>
+          <p:nvPicPr>
+            <p:cNvPr id="1048" name="Picture 24" descr="Boot Finance (@bootfinance) / Twitter">
+              <a:extLst>
+                <a:ext uri="{FF2B5EF4-FFF2-40B4-BE49-F238E27FC236}">
+                  <a16:creationId xmlns:a16="http://schemas.microsoft.com/office/drawing/2014/main" id="{B22AA95D-59DA-98B3-8ED9-A97FA7FCD5DF}"/>
+                </a:ext>
+              </a:extLst>
+            </p:cNvPr>
+            <p:cNvPicPr>
+              <a:picLocks noChangeAspect="1" noChangeArrowheads="1"/>
+            </p:cNvPicPr>
+            <p:nvPr/>
+          </p:nvPicPr>
+          <p:blipFill>
+            <a:blip r:embed="rId28">
+              <a:extLst>
+                <a:ext uri="{28A0092B-C50C-407E-A947-70E740481C1C}">
+                  <a14:useLocalDpi xmlns:a14="http://schemas.microsoft.com/office/drawing/2010/main" val="0"/>
+                </a:ext>
+              </a:extLst>
+            </a:blip>
+            <a:srcRect/>
+            <a:stretch>
+              <a:fillRect/>
+            </a:stretch>
+          </p:blipFill>
+          <p:spPr bwMode="auto">
+            <a:xfrm>
+              <a:off x="5959193" y="5002378"/>
+              <a:ext cx="657960" cy="657960"/>
+            </a:xfrm>
+            <a:prstGeom prst="rect">
+              <a:avLst/>
+            </a:prstGeom>
+            <a:noFill/>
+            <a:extLst>
+              <a:ext uri="{909E8E84-426E-40DD-AFC4-6F175D3DCCD1}">
+                <a14:hiddenFill xmlns:a14="http://schemas.microsoft.com/office/drawing/2010/main">
+                  <a:solidFill>
+                    <a:srgbClr val="FFFFFF"/>
+                  </a:solidFill>
+                </a14:hiddenFill>
+              </a:ext>
+            </a:extLst>
+          </p:spPr>
+        </p:pic>
+        <p:pic>
+          <p:nvPicPr>
+            <p:cNvPr id="1050" name="Picture 26" descr="Master Ventures">
+              <a:extLst>
+                <a:ext uri="{FF2B5EF4-FFF2-40B4-BE49-F238E27FC236}">
+                  <a16:creationId xmlns:a16="http://schemas.microsoft.com/office/drawing/2014/main" id="{9F499E73-EB81-A608-5652-D7A5D3F40366}"/>
+                </a:ext>
+              </a:extLst>
+            </p:cNvPr>
+            <p:cNvPicPr>
+              <a:picLocks noChangeAspect="1" noChangeArrowheads="1"/>
+            </p:cNvPicPr>
+            <p:nvPr/>
+          </p:nvPicPr>
+          <p:blipFill>
+            <a:blip r:embed="rId29">
+              <a:extLst>
+                <a:ext uri="{28A0092B-C50C-407E-A947-70E740481C1C}">
+                  <a14:useLocalDpi xmlns:a14="http://schemas.microsoft.com/office/drawing/2010/main" val="0"/>
+                </a:ext>
+              </a:extLst>
+            </a:blip>
+            <a:srcRect/>
+            <a:stretch>
+              <a:fillRect/>
+            </a:stretch>
+          </p:blipFill>
+          <p:spPr bwMode="auto">
+            <a:xfrm>
+              <a:off x="7532304" y="4161678"/>
+              <a:ext cx="416840" cy="745651"/>
+            </a:xfrm>
+            <a:prstGeom prst="rect">
+              <a:avLst/>
+            </a:prstGeom>
+            <a:noFill/>
+            <a:extLst>
+              <a:ext uri="{909E8E84-426E-40DD-AFC4-6F175D3DCCD1}">
+                <a14:hiddenFill xmlns:a14="http://schemas.microsoft.com/office/drawing/2010/main">
+                  <a:solidFill>
+                    <a:srgbClr val="FFFFFF"/>
+                  </a:solidFill>
+                </a14:hiddenFill>
+              </a:ext>
+            </a:extLst>
+          </p:spPr>
+        </p:pic>
+        <p:pic>
+          <p:nvPicPr>
+            <p:cNvPr id="1054" name="Picture 30" descr="Image">
+              <a:extLst>
+                <a:ext uri="{FF2B5EF4-FFF2-40B4-BE49-F238E27FC236}">
+                  <a16:creationId xmlns:a16="http://schemas.microsoft.com/office/drawing/2014/main" id="{144B74DF-894A-53A2-9BE0-4AAD8ACA2F9A}"/>
+                </a:ext>
+              </a:extLst>
+            </p:cNvPr>
+            <p:cNvPicPr>
+              <a:picLocks noChangeAspect="1" noChangeArrowheads="1"/>
+            </p:cNvPicPr>
+            <p:nvPr/>
+          </p:nvPicPr>
+          <p:blipFill>
+            <a:blip r:embed="rId30">
+              <a:extLst>
+                <a:ext uri="{28A0092B-C50C-407E-A947-70E740481C1C}">
+                  <a14:useLocalDpi xmlns:a14="http://schemas.microsoft.com/office/drawing/2010/main" val="0"/>
+                </a:ext>
+              </a:extLst>
+            </a:blip>
+            <a:srcRect/>
+            <a:stretch>
+              <a:fillRect/>
+            </a:stretch>
+          </p:blipFill>
+          <p:spPr bwMode="auto">
+            <a:xfrm>
+              <a:off x="8194041" y="5091712"/>
+              <a:ext cx="697857" cy="697857"/>
+            </a:xfrm>
+            <a:prstGeom prst="rect">
+              <a:avLst/>
+            </a:prstGeom>
+            <a:noFill/>
+            <a:extLst>
+              <a:ext uri="{909E8E84-426E-40DD-AFC4-6F175D3DCCD1}">
+                <a14:hiddenFill xmlns:a14="http://schemas.microsoft.com/office/drawing/2010/main">
+                  <a:solidFill>
+                    <a:srgbClr val="FFFFFF"/>
+                  </a:solidFill>
+                </a14:hiddenFill>
+              </a:ext>
+            </a:extLst>
+          </p:spPr>
+        </p:pic>
+        <p:pic>
+          <p:nvPicPr>
+            <p:cNvPr id="10" name="Picture 9">
+              <a:extLst>
+                <a:ext uri="{FF2B5EF4-FFF2-40B4-BE49-F238E27FC236}">
+                  <a16:creationId xmlns:a16="http://schemas.microsoft.com/office/drawing/2014/main" id="{A8063DA8-3B24-EABC-3023-20D5D3B9047F}"/>
+                </a:ext>
+              </a:extLst>
+            </p:cNvPr>
+            <p:cNvPicPr>
+              <a:picLocks noChangeAspect="1"/>
+            </p:cNvPicPr>
+            <p:nvPr/>
+          </p:nvPicPr>
+          <p:blipFill>
+            <a:blip r:embed="rId31"/>
+            <a:stretch>
+              <a:fillRect/>
+            </a:stretch>
+          </p:blipFill>
+          <p:spPr>
+            <a:xfrm>
+              <a:off x="9238668" y="4760417"/>
+              <a:ext cx="635123" cy="669061"/>
+            </a:xfrm>
+            <a:prstGeom prst="rect">
+              <a:avLst/>
+            </a:prstGeom>
+          </p:spPr>
+        </p:pic>
+        <p:pic>
+          <p:nvPicPr>
+            <p:cNvPr id="59" name="Picture 58">
+              <a:extLst>
+                <a:ext uri="{FF2B5EF4-FFF2-40B4-BE49-F238E27FC236}">
+                  <a16:creationId xmlns:a16="http://schemas.microsoft.com/office/drawing/2014/main" id="{D9E75864-99A1-925C-494F-A86AE4690CCF}"/>
+                </a:ext>
+              </a:extLst>
+            </p:cNvPr>
+            <p:cNvPicPr>
+              <a:picLocks noChangeAspect="1"/>
+            </p:cNvPicPr>
+            <p:nvPr/>
+          </p:nvPicPr>
+          <p:blipFill>
+            <a:blip r:embed="rId32"/>
+            <a:stretch>
+              <a:fillRect/>
+            </a:stretch>
+          </p:blipFill>
+          <p:spPr>
+            <a:xfrm>
+              <a:off x="8030293" y="4186336"/>
+              <a:ext cx="1105944" cy="421855"/>
+            </a:xfrm>
+            <a:prstGeom prst="rect">
+              <a:avLst/>
+            </a:prstGeom>
+          </p:spPr>
+        </p:pic>
+        <p:pic>
+          <p:nvPicPr>
+            <p:cNvPr id="3" name="Picture 2">
+              <a:extLst>
+                <a:ext uri="{FF2B5EF4-FFF2-40B4-BE49-F238E27FC236}">
+                  <a16:creationId xmlns:a16="http://schemas.microsoft.com/office/drawing/2014/main" id="{561B3082-3A82-E491-AC71-6114C788A4A7}"/>
+                </a:ext>
+              </a:extLst>
+            </p:cNvPr>
+            <p:cNvPicPr>
+              <a:picLocks noChangeAspect="1"/>
+            </p:cNvPicPr>
+            <p:nvPr/>
+          </p:nvPicPr>
+          <p:blipFill>
+            <a:blip r:embed="rId33"/>
+            <a:stretch>
+              <a:fillRect/>
+            </a:stretch>
+          </p:blipFill>
+          <p:spPr>
+            <a:xfrm>
+              <a:off x="6674665" y="5055956"/>
+              <a:ext cx="1337742" cy="468636"/>
+            </a:xfrm>
+            <a:prstGeom prst="rect">
+              <a:avLst/>
+            </a:prstGeom>
+          </p:spPr>
+        </p:pic>
+        <p:pic>
+          <p:nvPicPr>
+            <p:cNvPr id="19" name="Picture 18">
+              <a:extLst>
+                <a:ext uri="{FF2B5EF4-FFF2-40B4-BE49-F238E27FC236}">
+                  <a16:creationId xmlns:a16="http://schemas.microsoft.com/office/drawing/2014/main" id="{A090248F-46E0-5DD0-C5C7-D8F8F39C36A4}"/>
+                </a:ext>
+              </a:extLst>
+            </p:cNvPr>
+            <p:cNvPicPr>
+              <a:picLocks noChangeAspect="1"/>
+            </p:cNvPicPr>
+            <p:nvPr/>
+          </p:nvPicPr>
+          <p:blipFill>
+            <a:blip r:embed="rId34"/>
+            <a:stretch>
+              <a:fillRect/>
+            </a:stretch>
+          </p:blipFill>
+          <p:spPr>
+            <a:xfrm>
+              <a:off x="8080766" y="4682859"/>
+              <a:ext cx="1026280" cy="363474"/>
+            </a:xfrm>
+            <a:prstGeom prst="rect">
+              <a:avLst/>
+            </a:prstGeom>
+          </p:spPr>
+        </p:pic>
+        <p:pic>
+          <p:nvPicPr>
+            <p:cNvPr id="4" name="Picture 3">
+              <a:extLst>
+                <a:ext uri="{FF2B5EF4-FFF2-40B4-BE49-F238E27FC236}">
+                  <a16:creationId xmlns:a16="http://schemas.microsoft.com/office/drawing/2014/main" id="{4E0B731B-F0B5-DF76-D929-9FB91BA40E29}"/>
+                </a:ext>
+              </a:extLst>
+            </p:cNvPr>
+            <p:cNvPicPr>
+              <a:picLocks noChangeAspect="1"/>
+            </p:cNvPicPr>
+            <p:nvPr/>
+          </p:nvPicPr>
+          <p:blipFill>
+            <a:blip r:embed="rId35"/>
+            <a:stretch>
+              <a:fillRect/>
+            </a:stretch>
+          </p:blipFill>
+          <p:spPr>
+            <a:xfrm>
+              <a:off x="5973367" y="4162310"/>
+              <a:ext cx="1473199" cy="397708"/>
+            </a:xfrm>
+            <a:prstGeom prst="rect">
+              <a:avLst/>
+            </a:prstGeom>
+          </p:spPr>
+        </p:pic>
+        <p:pic>
+          <p:nvPicPr>
+            <p:cNvPr id="6" name="Picture 5">
+              <a:extLst>
+                <a:ext uri="{FF2B5EF4-FFF2-40B4-BE49-F238E27FC236}">
+                  <a16:creationId xmlns:a16="http://schemas.microsoft.com/office/drawing/2014/main" id="{E5A60497-C6D0-953F-F293-BCF213728536}"/>
+                </a:ext>
+              </a:extLst>
+            </p:cNvPr>
+            <p:cNvPicPr>
+              <a:picLocks noChangeAspect="1"/>
+            </p:cNvPicPr>
+            <p:nvPr/>
+          </p:nvPicPr>
+          <p:blipFill>
+            <a:blip r:embed="rId36"/>
+            <a:stretch>
+              <a:fillRect/>
+            </a:stretch>
+          </p:blipFill>
+          <p:spPr>
+            <a:xfrm>
+              <a:off x="5964865" y="4615229"/>
+              <a:ext cx="1486290" cy="350612"/>
+            </a:xfrm>
+            <a:prstGeom prst="rect">
+              <a:avLst/>
+            </a:prstGeom>
+          </p:spPr>
+        </p:pic>
+        <p:sp>
+          <p:nvSpPr>
+            <p:cNvPr id="7" name="TextBox 6">
+              <a:extLst>
+                <a:ext uri="{FF2B5EF4-FFF2-40B4-BE49-F238E27FC236}">
+                  <a16:creationId xmlns:a16="http://schemas.microsoft.com/office/drawing/2014/main" id="{D621C5D9-C0B5-12CC-8079-491D60E539E7}"/>
+                </a:ext>
+              </a:extLst>
+            </p:cNvPr>
+            <p:cNvSpPr txBox="1"/>
+            <p:nvPr/>
+          </p:nvSpPr>
+          <p:spPr>
+            <a:xfrm>
+              <a:off x="9289332" y="5264045"/>
+              <a:ext cx="569387" cy="230832"/>
+            </a:xfrm>
+            <a:prstGeom prst="rect">
+              <a:avLst/>
+            </a:prstGeom>
+            <a:noFill/>
+          </p:spPr>
+          <p:txBody>
+            <a:bodyPr wrap="none" rtlCol="0">
+              <a:spAutoFit/>
+            </a:bodyPr>
+            <a:lstStyle/>
+            <a:p>
+              <a:r>
+                <a:rPr lang="en-US" sz="900" b="1" dirty="0">
+                  <a:solidFill>
+                    <a:schemeClr val="tx1">
+                      <a:lumMod val="50000"/>
+                      <a:lumOff val="50000"/>
+                    </a:schemeClr>
+                  </a:solidFill>
+                  <a:latin typeface="Arial" panose="020B0604020202020204" pitchFamily="34" charset="0"/>
+                  <a:cs typeface="Arial" panose="020B0604020202020204" pitchFamily="34" charset="0"/>
+                </a:rPr>
+                <a:t>Upside</a:t>
+              </a:r>
+              <a:endParaRPr lang="en-US" b="1" dirty="0">
+                <a:solidFill>
+                  <a:schemeClr val="tx1">
+                    <a:lumMod val="50000"/>
+                    <a:lumOff val="50000"/>
+                  </a:schemeClr>
+                </a:solidFill>
+                <a:latin typeface="Arial" panose="020B0604020202020204" pitchFamily="34" charset="0"/>
+                <a:cs typeface="Arial" panose="020B0604020202020204" pitchFamily="34" charset="0"/>
+              </a:endParaRPr>
+            </a:p>
+          </p:txBody>
+        </p:sp>
+      </p:grpSp>
     </p:spTree>
     <p:extLst>
       <p:ext uri="{BB962C8B-B14F-4D97-AF65-F5344CB8AC3E}">
